--- a/aicopywriter프로젝트진행절차.pptx
+++ b/aicopywriter프로젝트진행절차.pptx
@@ -10,10 +10,14 @@
     <p:sldId id="261" r:id="rId4"/>
     <p:sldId id="263" r:id="rId5"/>
     <p:sldId id="264" r:id="rId6"/>
-    <p:sldId id="262" r:id="rId7"/>
-    <p:sldId id="265" r:id="rId8"/>
-    <p:sldId id="258" r:id="rId9"/>
-    <p:sldId id="259" r:id="rId10"/>
+    <p:sldId id="265" r:id="rId7"/>
+    <p:sldId id="262" r:id="rId8"/>
+    <p:sldId id="271" r:id="rId9"/>
+    <p:sldId id="270" r:id="rId10"/>
+    <p:sldId id="268" r:id="rId11"/>
+    <p:sldId id="272" r:id="rId12"/>
+    <p:sldId id="258" r:id="rId13"/>
+    <p:sldId id="259" r:id="rId14"/>
   </p:sldIdLst>
   <p:sldSz cx="12192000" cy="6858000"/>
   <p:notesSz cx="6858000" cy="9144000"/>
@@ -112,6 +116,11 @@
       </a:defRPr>
     </a:lvl9pPr>
   </p:defaultTextStyle>
+  <p:extLst>
+    <p:ext uri="{EFAFB233-063F-42B5-8137-9DF3F51BA10A}">
+      <p15:sldGuideLst xmlns:p15="http://schemas.microsoft.com/office/powerpoint/2012/main"/>
+    </p:ext>
+  </p:extLst>
 </p:presentation>
 </file>
 
@@ -246,7 +255,7 @@
           <a:p>
             <a:fld id="{98FB6D75-24B3-4C62-A010-C8BD7616B053}" type="datetimeFigureOut">
               <a:rPr lang="ko-KR" altLang="en-US" smtClean="0"/>
-              <a:t>2019-09-24</a:t>
+              <a:t>2019-09-25</a:t>
             </a:fld>
             <a:endParaRPr lang="ko-KR" altLang="en-US"/>
           </a:p>
@@ -416,7 +425,7 @@
           <a:p>
             <a:fld id="{98FB6D75-24B3-4C62-A010-C8BD7616B053}" type="datetimeFigureOut">
               <a:rPr lang="ko-KR" altLang="en-US" smtClean="0"/>
-              <a:t>2019-09-24</a:t>
+              <a:t>2019-09-25</a:t>
             </a:fld>
             <a:endParaRPr lang="ko-KR" altLang="en-US"/>
           </a:p>
@@ -596,7 +605,7 @@
           <a:p>
             <a:fld id="{98FB6D75-24B3-4C62-A010-C8BD7616B053}" type="datetimeFigureOut">
               <a:rPr lang="ko-KR" altLang="en-US" smtClean="0"/>
-              <a:t>2019-09-24</a:t>
+              <a:t>2019-09-25</a:t>
             </a:fld>
             <a:endParaRPr lang="ko-KR" altLang="en-US"/>
           </a:p>
@@ -766,7 +775,7 @@
           <a:p>
             <a:fld id="{98FB6D75-24B3-4C62-A010-C8BD7616B053}" type="datetimeFigureOut">
               <a:rPr lang="ko-KR" altLang="en-US" smtClean="0"/>
-              <a:t>2019-09-24</a:t>
+              <a:t>2019-09-25</a:t>
             </a:fld>
             <a:endParaRPr lang="ko-KR" altLang="en-US"/>
           </a:p>
@@ -1012,7 +1021,7 @@
           <a:p>
             <a:fld id="{98FB6D75-24B3-4C62-A010-C8BD7616B053}" type="datetimeFigureOut">
               <a:rPr lang="ko-KR" altLang="en-US" smtClean="0"/>
-              <a:t>2019-09-24</a:t>
+              <a:t>2019-09-25</a:t>
             </a:fld>
             <a:endParaRPr lang="ko-KR" altLang="en-US"/>
           </a:p>
@@ -1244,7 +1253,7 @@
           <a:p>
             <a:fld id="{98FB6D75-24B3-4C62-A010-C8BD7616B053}" type="datetimeFigureOut">
               <a:rPr lang="ko-KR" altLang="en-US" smtClean="0"/>
-              <a:t>2019-09-24</a:t>
+              <a:t>2019-09-25</a:t>
             </a:fld>
             <a:endParaRPr lang="ko-KR" altLang="en-US"/>
           </a:p>
@@ -1611,7 +1620,7 @@
           <a:p>
             <a:fld id="{98FB6D75-24B3-4C62-A010-C8BD7616B053}" type="datetimeFigureOut">
               <a:rPr lang="ko-KR" altLang="en-US" smtClean="0"/>
-              <a:t>2019-09-24</a:t>
+              <a:t>2019-09-25</a:t>
             </a:fld>
             <a:endParaRPr lang="ko-KR" altLang="en-US"/>
           </a:p>
@@ -1729,7 +1738,7 @@
           <a:p>
             <a:fld id="{98FB6D75-24B3-4C62-A010-C8BD7616B053}" type="datetimeFigureOut">
               <a:rPr lang="ko-KR" altLang="en-US" smtClean="0"/>
-              <a:t>2019-09-24</a:t>
+              <a:t>2019-09-25</a:t>
             </a:fld>
             <a:endParaRPr lang="ko-KR" altLang="en-US"/>
           </a:p>
@@ -1824,7 +1833,7 @@
           <a:p>
             <a:fld id="{98FB6D75-24B3-4C62-A010-C8BD7616B053}" type="datetimeFigureOut">
               <a:rPr lang="ko-KR" altLang="en-US" smtClean="0"/>
-              <a:t>2019-09-24</a:t>
+              <a:t>2019-09-25</a:t>
             </a:fld>
             <a:endParaRPr lang="ko-KR" altLang="en-US"/>
           </a:p>
@@ -2101,7 +2110,7 @@
           <a:p>
             <a:fld id="{98FB6D75-24B3-4C62-A010-C8BD7616B053}" type="datetimeFigureOut">
               <a:rPr lang="ko-KR" altLang="en-US" smtClean="0"/>
-              <a:t>2019-09-24</a:t>
+              <a:t>2019-09-25</a:t>
             </a:fld>
             <a:endParaRPr lang="ko-KR" altLang="en-US"/>
           </a:p>
@@ -2354,7 +2363,7 @@
           <a:p>
             <a:fld id="{98FB6D75-24B3-4C62-A010-C8BD7616B053}" type="datetimeFigureOut">
               <a:rPr lang="ko-KR" altLang="en-US" smtClean="0"/>
-              <a:t>2019-09-24</a:t>
+              <a:t>2019-09-25</a:t>
             </a:fld>
             <a:endParaRPr lang="ko-KR" altLang="en-US"/>
           </a:p>
@@ -2567,7 +2576,7 @@
           <a:p>
             <a:fld id="{98FB6D75-24B3-4C62-A010-C8BD7616B053}" type="datetimeFigureOut">
               <a:rPr lang="ko-KR" altLang="en-US" smtClean="0"/>
-              <a:t>2019-09-24</a:t>
+              <a:t>2019-09-25</a:t>
             </a:fld>
             <a:endParaRPr lang="ko-KR" altLang="en-US"/>
           </a:p>
@@ -3008,6 +3017,845 @@
 </p:sld>
 </file>
 
+<file path=ppt/slides/slide10.xml><?xml version="1.0" encoding="utf-8"?>
+<p:sld xmlns:a="http://schemas.openxmlformats.org/drawingml/2006/main" xmlns:r="http://schemas.openxmlformats.org/officeDocument/2006/relationships" xmlns:p="http://schemas.openxmlformats.org/presentationml/2006/main">
+  <p:cSld>
+    <p:spTree>
+      <p:nvGrpSpPr>
+        <p:cNvPr id="1" name=""/>
+        <p:cNvGrpSpPr/>
+        <p:nvPr/>
+      </p:nvGrpSpPr>
+      <p:grpSpPr>
+        <a:xfrm>
+          <a:off x="0" y="0"/>
+          <a:ext cx="0" cy="0"/>
+          <a:chOff x="0" y="0"/>
+          <a:chExt cx="0" cy="0"/>
+        </a:xfrm>
+      </p:grpSpPr>
+      <p:sp>
+        <p:nvSpPr>
+          <p:cNvPr id="2" name="제목 1"/>
+          <p:cNvSpPr>
+            <a:spLocks noGrp="1"/>
+          </p:cNvSpPr>
+          <p:nvPr>
+            <p:ph type="title"/>
+          </p:nvPr>
+        </p:nvSpPr>
+        <p:spPr>
+          <a:xfrm>
+            <a:off x="838200" y="0"/>
+            <a:ext cx="10515600" cy="1325563"/>
+          </a:xfrm>
+        </p:spPr>
+        <p:txBody>
+          <a:bodyPr/>
+          <a:lstStyle/>
+          <a:p>
+            <a:r>
+              <a:rPr lang="ko-KR" altLang="en-US" dirty="0" smtClean="0"/>
+              <a:t>확장 </a:t>
+            </a:r>
+            <a:r>
+              <a:rPr lang="ko-KR" altLang="en-US" dirty="0" smtClean="0"/>
+              <a:t>기능</a:t>
+            </a:r>
+            <a:r>
+              <a:rPr lang="en-US" altLang="ko-KR" dirty="0" smtClean="0"/>
+              <a:t>: </a:t>
+            </a:r>
+            <a:r>
+              <a:rPr lang="ko-KR" altLang="en-US" sz="2000" dirty="0" smtClean="0"/>
+              <a:t>제목과 </a:t>
+            </a:r>
+            <a:r>
+              <a:rPr lang="ko-KR" altLang="en-US" sz="2000" dirty="0" err="1"/>
+              <a:t>태그라인의</a:t>
+            </a:r>
+            <a:r>
+              <a:rPr lang="ko-KR" altLang="en-US" sz="2000" dirty="0"/>
+              <a:t> 위치 </a:t>
+            </a:r>
+            <a:r>
+              <a:rPr lang="ko-KR" altLang="en-US" sz="2000" dirty="0" smtClean="0"/>
+              <a:t>추천</a:t>
+            </a:r>
+            <a:endParaRPr lang="ko-KR" altLang="en-US" sz="2000" dirty="0"/>
+          </a:p>
+        </p:txBody>
+      </p:sp>
+      <p:pic>
+        <p:nvPicPr>
+          <p:cNvPr id="9" name="그림 8"/>
+          <p:cNvPicPr>
+            <a:picLocks noChangeAspect="1"/>
+          </p:cNvPicPr>
+          <p:nvPr/>
+        </p:nvPicPr>
+        <p:blipFill>
+          <a:blip r:embed="rId2" cstate="print">
+            <a:extLst>
+              <a:ext uri="{28A0092B-C50C-407E-A947-70E740481C1C}">
+                <a14:useLocalDpi xmlns:a14="http://schemas.microsoft.com/office/drawing/2010/main" val="0"/>
+              </a:ext>
+            </a:extLst>
+          </a:blip>
+          <a:stretch>
+            <a:fillRect/>
+          </a:stretch>
+        </p:blipFill>
+        <p:spPr>
+          <a:xfrm>
+            <a:off x="838201" y="1325563"/>
+            <a:ext cx="4255008" cy="5143500"/>
+          </a:xfrm>
+          <a:prstGeom prst="rect">
+            <a:avLst/>
+          </a:prstGeom>
+        </p:spPr>
+      </p:pic>
+      <p:sp>
+        <p:nvSpPr>
+          <p:cNvPr id="10" name="TextBox 9"/>
+          <p:cNvSpPr txBox="1"/>
+          <p:nvPr/>
+        </p:nvSpPr>
+        <p:spPr>
+          <a:xfrm>
+            <a:off x="1391881" y="1216142"/>
+            <a:ext cx="3147647" cy="477054"/>
+          </a:xfrm>
+          <a:prstGeom prst="rect">
+            <a:avLst/>
+          </a:prstGeom>
+          <a:solidFill>
+            <a:schemeClr val="bg1"/>
+          </a:solidFill>
+        </p:spPr>
+        <p:txBody>
+          <a:bodyPr wrap="square" rtlCol="0">
+            <a:spAutoFit/>
+          </a:bodyPr>
+          <a:lstStyle/>
+          <a:p>
+            <a:r>
+              <a:rPr lang="en-US" altLang="ko-KR" sz="2500" dirty="0" smtClean="0"/>
+              <a:t>Google vision </a:t>
+            </a:r>
+            <a:r>
+              <a:rPr lang="en-US" altLang="ko-KR" sz="2500" dirty="0" err="1" smtClean="0"/>
+              <a:t>api</a:t>
+            </a:r>
+            <a:endParaRPr lang="ko-KR" altLang="en-US" sz="2500" dirty="0"/>
+          </a:p>
+        </p:txBody>
+      </p:sp>
+      <p:sp>
+        <p:nvSpPr>
+          <p:cNvPr id="11" name="오른쪽 화살표 10"/>
+          <p:cNvSpPr/>
+          <p:nvPr/>
+        </p:nvSpPr>
+        <p:spPr>
+          <a:xfrm>
+            <a:off x="5271411" y="3685266"/>
+            <a:ext cx="1050037" cy="347472"/>
+          </a:xfrm>
+          <a:prstGeom prst="rightArrow">
+            <a:avLst/>
+          </a:prstGeom>
+        </p:spPr>
+        <p:style>
+          <a:lnRef idx="2">
+            <a:schemeClr val="accent2">
+              <a:shade val="50000"/>
+            </a:schemeClr>
+          </a:lnRef>
+          <a:fillRef idx="1">
+            <a:schemeClr val="accent2"/>
+          </a:fillRef>
+          <a:effectRef idx="0">
+            <a:schemeClr val="accent2"/>
+          </a:effectRef>
+          <a:fontRef idx="minor">
+            <a:schemeClr val="lt1"/>
+          </a:fontRef>
+        </p:style>
+        <p:txBody>
+          <a:bodyPr rtlCol="0" anchor="ctr"/>
+          <a:lstStyle/>
+          <a:p>
+            <a:pPr algn="ctr"/>
+            <a:endParaRPr lang="ko-KR" altLang="en-US"/>
+          </a:p>
+        </p:txBody>
+      </p:sp>
+      <p:sp>
+        <p:nvSpPr>
+          <p:cNvPr id="12" name="직사각형 11"/>
+          <p:cNvSpPr/>
+          <p:nvPr/>
+        </p:nvSpPr>
+        <p:spPr>
+          <a:xfrm>
+            <a:off x="6766659" y="4474147"/>
+            <a:ext cx="612549" cy="301753"/>
+          </a:xfrm>
+          <a:prstGeom prst="rect">
+            <a:avLst/>
+          </a:prstGeom>
+          <a:noFill/>
+          <a:ln w="19050"/>
+        </p:spPr>
+        <p:style>
+          <a:lnRef idx="1">
+            <a:schemeClr val="accent2"/>
+          </a:lnRef>
+          <a:fillRef idx="3">
+            <a:schemeClr val="accent2"/>
+          </a:fillRef>
+          <a:effectRef idx="2">
+            <a:schemeClr val="accent2"/>
+          </a:effectRef>
+          <a:fontRef idx="minor">
+            <a:schemeClr val="lt1"/>
+          </a:fontRef>
+        </p:style>
+        <p:txBody>
+          <a:bodyPr rtlCol="0" anchor="ctr"/>
+          <a:lstStyle/>
+          <a:p>
+            <a:pPr algn="ctr"/>
+            <a:endParaRPr lang="ko-KR" altLang="en-US"/>
+          </a:p>
+        </p:txBody>
+      </p:sp>
+      <p:sp>
+        <p:nvSpPr>
+          <p:cNvPr id="13" name="직사각형 12"/>
+          <p:cNvSpPr/>
+          <p:nvPr/>
+        </p:nvSpPr>
+        <p:spPr>
+          <a:xfrm>
+            <a:off x="6757515" y="4828033"/>
+            <a:ext cx="1435509" cy="155448"/>
+          </a:xfrm>
+          <a:prstGeom prst="rect">
+            <a:avLst/>
+          </a:prstGeom>
+          <a:noFill/>
+          <a:ln w="19050"/>
+        </p:spPr>
+        <p:style>
+          <a:lnRef idx="1">
+            <a:schemeClr val="accent2"/>
+          </a:lnRef>
+          <a:fillRef idx="3">
+            <a:schemeClr val="accent2"/>
+          </a:fillRef>
+          <a:effectRef idx="2">
+            <a:schemeClr val="accent2"/>
+          </a:effectRef>
+          <a:fontRef idx="minor">
+            <a:schemeClr val="lt1"/>
+          </a:fontRef>
+        </p:style>
+        <p:txBody>
+          <a:bodyPr rtlCol="0" anchor="ctr"/>
+          <a:lstStyle/>
+          <a:p>
+            <a:pPr algn="ctr"/>
+            <a:endParaRPr lang="ko-KR" altLang="en-US"/>
+          </a:p>
+        </p:txBody>
+      </p:sp>
+      <p:sp>
+        <p:nvSpPr>
+          <p:cNvPr id="14" name="오른쪽 화살표 13"/>
+          <p:cNvSpPr/>
+          <p:nvPr/>
+        </p:nvSpPr>
+        <p:spPr>
+          <a:xfrm rot="10800000">
+            <a:off x="8257285" y="4476404"/>
+            <a:ext cx="896836" cy="207581"/>
+          </a:xfrm>
+          <a:prstGeom prst="rightArrow">
+            <a:avLst/>
+          </a:prstGeom>
+        </p:spPr>
+        <p:style>
+          <a:lnRef idx="2">
+            <a:schemeClr val="accent2">
+              <a:shade val="50000"/>
+            </a:schemeClr>
+          </a:lnRef>
+          <a:fillRef idx="1">
+            <a:schemeClr val="accent2"/>
+          </a:fillRef>
+          <a:effectRef idx="0">
+            <a:schemeClr val="accent2"/>
+          </a:effectRef>
+          <a:fontRef idx="minor">
+            <a:schemeClr val="lt1"/>
+          </a:fontRef>
+        </p:style>
+        <p:txBody>
+          <a:bodyPr rtlCol="0" anchor="ctr"/>
+          <a:lstStyle/>
+          <a:p>
+            <a:pPr algn="ctr"/>
+            <a:endParaRPr lang="ko-KR" altLang="en-US"/>
+          </a:p>
+        </p:txBody>
+      </p:sp>
+      <p:sp>
+        <p:nvSpPr>
+          <p:cNvPr id="15" name="오른쪽 화살표 14"/>
+          <p:cNvSpPr/>
+          <p:nvPr/>
+        </p:nvSpPr>
+        <p:spPr>
+          <a:xfrm rot="10800000">
+            <a:off x="8257285" y="4775900"/>
+            <a:ext cx="896836" cy="207581"/>
+          </a:xfrm>
+          <a:prstGeom prst="rightArrow">
+            <a:avLst/>
+          </a:prstGeom>
+        </p:spPr>
+        <p:style>
+          <a:lnRef idx="2">
+            <a:schemeClr val="accent2">
+              <a:shade val="50000"/>
+            </a:schemeClr>
+          </a:lnRef>
+          <a:fillRef idx="1">
+            <a:schemeClr val="accent2"/>
+          </a:fillRef>
+          <a:effectRef idx="0">
+            <a:schemeClr val="accent2"/>
+          </a:effectRef>
+          <a:fontRef idx="minor">
+            <a:schemeClr val="lt1"/>
+          </a:fontRef>
+        </p:style>
+        <p:txBody>
+          <a:bodyPr rtlCol="0" anchor="ctr"/>
+          <a:lstStyle/>
+          <a:p>
+            <a:pPr algn="ctr"/>
+            <a:endParaRPr lang="ko-KR" altLang="en-US"/>
+          </a:p>
+        </p:txBody>
+      </p:sp>
+      <p:sp>
+        <p:nvSpPr>
+          <p:cNvPr id="16" name="TextBox 15"/>
+          <p:cNvSpPr txBox="1"/>
+          <p:nvPr/>
+        </p:nvSpPr>
+        <p:spPr>
+          <a:xfrm>
+            <a:off x="9354312" y="4434840"/>
+            <a:ext cx="1517904" cy="323165"/>
+          </a:xfrm>
+          <a:prstGeom prst="rect">
+            <a:avLst/>
+          </a:prstGeom>
+          <a:noFill/>
+        </p:spPr>
+        <p:txBody>
+          <a:bodyPr wrap="square" rtlCol="0">
+            <a:spAutoFit/>
+          </a:bodyPr>
+          <a:lstStyle/>
+          <a:p>
+            <a:r>
+              <a:rPr lang="ko-KR" altLang="en-US" sz="1500" dirty="0" smtClean="0">
+                <a:ln>
+                  <a:solidFill>
+                    <a:schemeClr val="accent2"/>
+                  </a:solidFill>
+                </a:ln>
+                <a:solidFill>
+                  <a:schemeClr val="bg1"/>
+                </a:solidFill>
+              </a:rPr>
+              <a:t>영화제목</a:t>
+            </a:r>
+            <a:endParaRPr lang="ko-KR" altLang="en-US" sz="1500" dirty="0">
+              <a:ln>
+                <a:solidFill>
+                  <a:schemeClr val="accent2"/>
+                </a:solidFill>
+              </a:ln>
+              <a:solidFill>
+                <a:schemeClr val="bg1"/>
+              </a:solidFill>
+            </a:endParaRPr>
+          </a:p>
+        </p:txBody>
+      </p:sp>
+      <p:sp>
+        <p:nvSpPr>
+          <p:cNvPr id="17" name="TextBox 16"/>
+          <p:cNvSpPr txBox="1"/>
+          <p:nvPr/>
+        </p:nvSpPr>
+        <p:spPr>
+          <a:xfrm>
+            <a:off x="9354312" y="4749889"/>
+            <a:ext cx="1517904" cy="323165"/>
+          </a:xfrm>
+          <a:prstGeom prst="rect">
+            <a:avLst/>
+          </a:prstGeom>
+          <a:noFill/>
+        </p:spPr>
+        <p:txBody>
+          <a:bodyPr wrap="square" rtlCol="0">
+            <a:spAutoFit/>
+          </a:bodyPr>
+          <a:lstStyle/>
+          <a:p>
+            <a:r>
+              <a:rPr lang="ko-KR" altLang="en-US" sz="1500" dirty="0" smtClean="0">
+                <a:ln>
+                  <a:solidFill>
+                    <a:schemeClr val="accent2"/>
+                  </a:solidFill>
+                </a:ln>
+                <a:solidFill>
+                  <a:schemeClr val="bg1"/>
+                </a:solidFill>
+              </a:rPr>
+              <a:t>헤드라인</a:t>
+            </a:r>
+            <a:endParaRPr lang="ko-KR" altLang="en-US" sz="1500" dirty="0">
+              <a:ln>
+                <a:solidFill>
+                  <a:schemeClr val="accent2"/>
+                </a:solidFill>
+              </a:ln>
+              <a:solidFill>
+                <a:schemeClr val="bg1"/>
+              </a:solidFill>
+            </a:endParaRPr>
+          </a:p>
+        </p:txBody>
+      </p:sp>
+      <p:pic>
+        <p:nvPicPr>
+          <p:cNvPr id="18" name="그림 17"/>
+          <p:cNvPicPr>
+            <a:picLocks noChangeAspect="1"/>
+          </p:cNvPicPr>
+          <p:nvPr/>
+        </p:nvPicPr>
+        <p:blipFill>
+          <a:blip r:embed="rId3"/>
+          <a:stretch>
+            <a:fillRect/>
+          </a:stretch>
+        </p:blipFill>
+        <p:spPr>
+          <a:xfrm>
+            <a:off x="6499651" y="1189717"/>
+            <a:ext cx="5130990" cy="5415191"/>
+          </a:xfrm>
+          <a:prstGeom prst="rect">
+            <a:avLst/>
+          </a:prstGeom>
+        </p:spPr>
+      </p:pic>
+    </p:spTree>
+    <p:extLst>
+      <p:ext uri="{BB962C8B-B14F-4D97-AF65-F5344CB8AC3E}">
+        <p14:creationId xmlns:p14="http://schemas.microsoft.com/office/powerpoint/2010/main" val="3606495313"/>
+      </p:ext>
+    </p:extLst>
+  </p:cSld>
+  <p:clrMapOvr>
+    <a:masterClrMapping/>
+  </p:clrMapOvr>
+  <p:timing>
+    <p:tnLst>
+      <p:par>
+        <p:cTn id="1" dur="indefinite" restart="never" nodeType="tmRoot"/>
+      </p:par>
+    </p:tnLst>
+  </p:timing>
+</p:sld>
+</file>
+
+<file path=ppt/slides/slide11.xml><?xml version="1.0" encoding="utf-8"?>
+<p:sld xmlns:a="http://schemas.openxmlformats.org/drawingml/2006/main" xmlns:r="http://schemas.openxmlformats.org/officeDocument/2006/relationships" xmlns:p="http://schemas.openxmlformats.org/presentationml/2006/main">
+  <p:cSld>
+    <p:spTree>
+      <p:nvGrpSpPr>
+        <p:cNvPr id="1" name=""/>
+        <p:cNvGrpSpPr/>
+        <p:nvPr/>
+      </p:nvGrpSpPr>
+      <p:grpSpPr>
+        <a:xfrm>
+          <a:off x="0" y="0"/>
+          <a:ext cx="0" cy="0"/>
+          <a:chOff x="0" y="0"/>
+          <a:chExt cx="0" cy="0"/>
+        </a:xfrm>
+      </p:grpSpPr>
+      <p:sp>
+        <p:nvSpPr>
+          <p:cNvPr id="2" name="제목 1"/>
+          <p:cNvSpPr>
+            <a:spLocks noGrp="1"/>
+          </p:cNvSpPr>
+          <p:nvPr>
+            <p:ph type="title"/>
+          </p:nvPr>
+        </p:nvSpPr>
+        <p:spPr>
+          <a:xfrm>
+            <a:off x="838200" y="0"/>
+            <a:ext cx="10515600" cy="1325563"/>
+          </a:xfrm>
+        </p:spPr>
+        <p:txBody>
+          <a:bodyPr/>
+          <a:lstStyle/>
+          <a:p>
+            <a:r>
+              <a:rPr lang="ko-KR" altLang="en-US" dirty="0" smtClean="0"/>
+              <a:t>확장 </a:t>
+            </a:r>
+            <a:r>
+              <a:rPr lang="ko-KR" altLang="en-US" dirty="0" smtClean="0"/>
+              <a:t>기능</a:t>
+            </a:r>
+            <a:r>
+              <a:rPr lang="en-US" altLang="ko-KR" dirty="0" smtClean="0"/>
+              <a:t>: </a:t>
+            </a:r>
+            <a:r>
+              <a:rPr lang="ko-KR" altLang="en-US" sz="2000" dirty="0" smtClean="0"/>
+              <a:t>맞춤형 문구</a:t>
+            </a:r>
+            <a:endParaRPr lang="ko-KR" altLang="en-US" sz="2000" dirty="0"/>
+          </a:p>
+        </p:txBody>
+      </p:sp>
+      <p:pic>
+        <p:nvPicPr>
+          <p:cNvPr id="3" name="그림 2"/>
+          <p:cNvPicPr>
+            <a:picLocks noChangeAspect="1"/>
+          </p:cNvPicPr>
+          <p:nvPr/>
+        </p:nvPicPr>
+        <p:blipFill>
+          <a:blip r:embed="rId2"/>
+          <a:stretch>
+            <a:fillRect/>
+          </a:stretch>
+        </p:blipFill>
+        <p:spPr>
+          <a:xfrm>
+            <a:off x="1747837" y="1325563"/>
+            <a:ext cx="8696325" cy="4914900"/>
+          </a:xfrm>
+          <a:prstGeom prst="rect">
+            <a:avLst/>
+          </a:prstGeom>
+        </p:spPr>
+      </p:pic>
+    </p:spTree>
+    <p:extLst>
+      <p:ext uri="{BB962C8B-B14F-4D97-AF65-F5344CB8AC3E}">
+        <p14:creationId xmlns:p14="http://schemas.microsoft.com/office/powerpoint/2010/main" val="3487461394"/>
+      </p:ext>
+    </p:extLst>
+  </p:cSld>
+  <p:clrMapOvr>
+    <a:masterClrMapping/>
+  </p:clrMapOvr>
+  <p:timing>
+    <p:tnLst>
+      <p:par>
+        <p:cTn id="1" dur="indefinite" restart="never" nodeType="tmRoot"/>
+      </p:par>
+    </p:tnLst>
+  </p:timing>
+</p:sld>
+</file>
+
+<file path=ppt/slides/slide12.xml><?xml version="1.0" encoding="utf-8"?>
+<p:sld xmlns:a="http://schemas.openxmlformats.org/drawingml/2006/main" xmlns:r="http://schemas.openxmlformats.org/officeDocument/2006/relationships" xmlns:p="http://schemas.openxmlformats.org/presentationml/2006/main">
+  <p:cSld>
+    <p:spTree>
+      <p:nvGrpSpPr>
+        <p:cNvPr id="1" name=""/>
+        <p:cNvGrpSpPr/>
+        <p:nvPr/>
+      </p:nvGrpSpPr>
+      <p:grpSpPr>
+        <a:xfrm>
+          <a:off x="0" y="0"/>
+          <a:ext cx="0" cy="0"/>
+          <a:chOff x="0" y="0"/>
+          <a:chExt cx="0" cy="0"/>
+        </a:xfrm>
+      </p:grpSpPr>
+      <p:sp>
+        <p:nvSpPr>
+          <p:cNvPr id="2" name="제목 1"/>
+          <p:cNvSpPr>
+            <a:spLocks noGrp="1"/>
+          </p:cNvSpPr>
+          <p:nvPr>
+            <p:ph type="title"/>
+          </p:nvPr>
+        </p:nvSpPr>
+        <p:spPr/>
+        <p:txBody>
+          <a:bodyPr/>
+          <a:lstStyle/>
+          <a:p>
+            <a:r>
+              <a:rPr lang="ko-KR" altLang="en-US" dirty="0" smtClean="0"/>
+              <a:t>일정</a:t>
+            </a:r>
+            <a:endParaRPr lang="ko-KR" altLang="en-US" dirty="0"/>
+          </a:p>
+        </p:txBody>
+      </p:sp>
+      <p:pic>
+        <p:nvPicPr>
+          <p:cNvPr id="6" name="그림 5"/>
+          <p:cNvPicPr>
+            <a:picLocks noChangeAspect="1"/>
+          </p:cNvPicPr>
+          <p:nvPr/>
+        </p:nvPicPr>
+        <p:blipFill>
+          <a:blip r:embed="rId2"/>
+          <a:stretch>
+            <a:fillRect/>
+          </a:stretch>
+        </p:blipFill>
+        <p:spPr>
+          <a:xfrm>
+            <a:off x="478100" y="2111312"/>
+            <a:ext cx="11235799" cy="3356800"/>
+          </a:xfrm>
+          <a:prstGeom prst="rect">
+            <a:avLst/>
+          </a:prstGeom>
+        </p:spPr>
+      </p:pic>
+    </p:spTree>
+    <p:extLst>
+      <p:ext uri="{BB962C8B-B14F-4D97-AF65-F5344CB8AC3E}">
+        <p14:creationId xmlns:p14="http://schemas.microsoft.com/office/powerpoint/2010/main" val="3970715942"/>
+      </p:ext>
+    </p:extLst>
+  </p:cSld>
+  <p:clrMapOvr>
+    <a:masterClrMapping/>
+  </p:clrMapOvr>
+  <p:timing>
+    <p:tnLst>
+      <p:par>
+        <p:cTn id="1" dur="indefinite" restart="never" nodeType="tmRoot"/>
+      </p:par>
+    </p:tnLst>
+  </p:timing>
+</p:sld>
+</file>
+
+<file path=ppt/slides/slide13.xml><?xml version="1.0" encoding="utf-8"?>
+<p:sld xmlns:a="http://schemas.openxmlformats.org/drawingml/2006/main" xmlns:r="http://schemas.openxmlformats.org/officeDocument/2006/relationships" xmlns:p="http://schemas.openxmlformats.org/presentationml/2006/main">
+  <p:cSld>
+    <p:spTree>
+      <p:nvGrpSpPr>
+        <p:cNvPr id="1" name=""/>
+        <p:cNvGrpSpPr/>
+        <p:nvPr/>
+      </p:nvGrpSpPr>
+      <p:grpSpPr>
+        <a:xfrm>
+          <a:off x="0" y="0"/>
+          <a:ext cx="0" cy="0"/>
+          <a:chOff x="0" y="0"/>
+          <a:chExt cx="0" cy="0"/>
+        </a:xfrm>
+      </p:grpSpPr>
+      <p:sp>
+        <p:nvSpPr>
+          <p:cNvPr id="2" name="제목 1"/>
+          <p:cNvSpPr>
+            <a:spLocks noGrp="1"/>
+          </p:cNvSpPr>
+          <p:nvPr>
+            <p:ph type="title"/>
+          </p:nvPr>
+        </p:nvSpPr>
+        <p:spPr/>
+        <p:txBody>
+          <a:bodyPr/>
+          <a:lstStyle/>
+          <a:p>
+            <a:r>
+              <a:rPr lang="ko-KR" altLang="en-US" dirty="0" smtClean="0"/>
+              <a:t>역할</a:t>
+            </a:r>
+            <a:endParaRPr lang="ko-KR" altLang="en-US" dirty="0"/>
+          </a:p>
+        </p:txBody>
+      </p:sp>
+      <p:sp>
+        <p:nvSpPr>
+          <p:cNvPr id="3" name="내용 개체 틀 2"/>
+          <p:cNvSpPr>
+            <a:spLocks noGrp="1"/>
+          </p:cNvSpPr>
+          <p:nvPr>
+            <p:ph idx="1"/>
+          </p:nvPr>
+        </p:nvSpPr>
+        <p:spPr/>
+        <p:txBody>
+          <a:bodyPr/>
+          <a:lstStyle/>
+          <a:p>
+            <a:r>
+              <a:rPr lang="ko-KR" altLang="en-US" dirty="0" smtClean="0"/>
+              <a:t>강동훈 </a:t>
+            </a:r>
+            <a:r>
+              <a:rPr lang="en-US" altLang="ko-KR" dirty="0" smtClean="0"/>
+              <a:t>– </a:t>
+            </a:r>
+            <a:r>
+              <a:rPr lang="ko-KR" altLang="en-US" dirty="0" smtClean="0"/>
+              <a:t>기획 </a:t>
+            </a:r>
+            <a:r>
+              <a:rPr lang="en-US" altLang="ko-KR" dirty="0" smtClean="0"/>
+              <a:t>+ </a:t>
+            </a:r>
+            <a:r>
+              <a:rPr lang="ko-KR" altLang="en-US" dirty="0" err="1" smtClean="0"/>
+              <a:t>크롤링</a:t>
+            </a:r>
+            <a:r>
+              <a:rPr lang="ko-KR" altLang="en-US" dirty="0" smtClean="0"/>
+              <a:t> </a:t>
+            </a:r>
+            <a:r>
+              <a:rPr lang="en-US" altLang="ko-KR" dirty="0" smtClean="0"/>
+              <a:t>+ </a:t>
+            </a:r>
+            <a:r>
+              <a:rPr lang="ko-KR" altLang="en-US" dirty="0" smtClean="0"/>
+              <a:t>알고리즘 개발</a:t>
+            </a:r>
+            <a:endParaRPr lang="en-US" altLang="ko-KR" dirty="0" smtClean="0"/>
+          </a:p>
+          <a:p>
+            <a:r>
+              <a:rPr lang="ko-KR" altLang="en-US" dirty="0" err="1" smtClean="0"/>
+              <a:t>심재용</a:t>
+            </a:r>
+            <a:r>
+              <a:rPr lang="ko-KR" altLang="en-US" dirty="0" smtClean="0"/>
+              <a:t> </a:t>
+            </a:r>
+            <a:r>
+              <a:rPr lang="en-US" altLang="ko-KR" dirty="0" smtClean="0"/>
+              <a:t>– </a:t>
+            </a:r>
+            <a:r>
+              <a:rPr lang="ko-KR" altLang="en-US" dirty="0" smtClean="0"/>
+              <a:t>이미지 분석 </a:t>
+            </a:r>
+            <a:r>
+              <a:rPr lang="en-US" altLang="ko-KR" dirty="0" smtClean="0"/>
+              <a:t>+ DB </a:t>
+            </a:r>
+            <a:r>
+              <a:rPr lang="ko-KR" altLang="en-US" dirty="0" smtClean="0"/>
+              <a:t>관리</a:t>
+            </a:r>
+            <a:r>
+              <a:rPr lang="en-US" altLang="ko-KR" dirty="0" smtClean="0"/>
+              <a:t>+ </a:t>
+            </a:r>
+            <a:r>
+              <a:rPr lang="ko-KR" altLang="en-US" dirty="0" smtClean="0"/>
+              <a:t>알고리즘 개발</a:t>
+            </a:r>
+            <a:endParaRPr lang="en-US" altLang="ko-KR" dirty="0" smtClean="0"/>
+          </a:p>
+          <a:p>
+            <a:r>
+              <a:rPr lang="ko-KR" altLang="en-US" dirty="0" err="1" smtClean="0"/>
+              <a:t>임진하</a:t>
+            </a:r>
+            <a:r>
+              <a:rPr lang="ko-KR" altLang="en-US" dirty="0" smtClean="0"/>
+              <a:t> </a:t>
+            </a:r>
+            <a:r>
+              <a:rPr lang="en-US" altLang="ko-KR" dirty="0" smtClean="0"/>
+              <a:t>– </a:t>
+            </a:r>
+            <a:r>
+              <a:rPr lang="ko-KR" altLang="en-US" dirty="0" smtClean="0"/>
+              <a:t>필요 논문 스터디 리더   </a:t>
+            </a:r>
+            <a:r>
+              <a:rPr lang="en-US" altLang="ko-KR" dirty="0" smtClean="0"/>
+              <a:t>+ </a:t>
+            </a:r>
+            <a:r>
+              <a:rPr lang="ko-KR" altLang="en-US" dirty="0" smtClean="0"/>
+              <a:t>알고리즘 개발</a:t>
+            </a:r>
+            <a:endParaRPr lang="en-US" altLang="ko-KR" dirty="0" smtClean="0"/>
+          </a:p>
+          <a:p>
+            <a:endParaRPr lang="en-US" altLang="ko-KR" dirty="0"/>
+          </a:p>
+          <a:p>
+            <a:endParaRPr lang="ko-KR" altLang="en-US" dirty="0"/>
+          </a:p>
+        </p:txBody>
+      </p:sp>
+    </p:spTree>
+    <p:extLst>
+      <p:ext uri="{BB962C8B-B14F-4D97-AF65-F5344CB8AC3E}">
+        <p14:creationId xmlns:p14="http://schemas.microsoft.com/office/powerpoint/2010/main" val="3236142469"/>
+      </p:ext>
+    </p:extLst>
+  </p:cSld>
+  <p:clrMapOvr>
+    <a:masterClrMapping/>
+  </p:clrMapOvr>
+  <p:timing>
+    <p:tnLst>
+      <p:par>
+        <p:cTn id="1" dur="indefinite" restart="never" nodeType="tmRoot"/>
+      </p:par>
+    </p:tnLst>
+  </p:timing>
+</p:sld>
+</file>
+
 <file path=ppt/slides/slide2.xml><?xml version="1.0" encoding="utf-8"?>
 <p:sld xmlns:a="http://schemas.openxmlformats.org/drawingml/2006/main" xmlns:r="http://schemas.openxmlformats.org/officeDocument/2006/relationships" xmlns:p="http://schemas.openxmlformats.org/presentationml/2006/main">
   <p:cSld>
@@ -3035,7 +3883,12 @@
             <p:ph type="title"/>
           </p:nvPr>
         </p:nvSpPr>
-        <p:spPr/>
+        <p:spPr>
+          <a:xfrm>
+            <a:off x="838200" y="0"/>
+            <a:ext cx="10515600" cy="1325563"/>
+          </a:xfrm>
+        </p:spPr>
         <p:txBody>
           <a:bodyPr/>
           <a:lstStyle/>
@@ -3074,7 +3927,7 @@
           <a:p>
             <a:r>
               <a:rPr lang="en-US" altLang="ko-KR" dirty="0" smtClean="0"/>
-              <a:t>AI copywriter</a:t>
+              <a:t>Zeto50: AI copywriter</a:t>
             </a:r>
             <a:endParaRPr lang="ko-KR" altLang="en-US" dirty="0"/>
           </a:p>
@@ -3321,7 +4174,19 @@
           <a:p>
             <a:r>
               <a:rPr lang="ko-KR" altLang="en-US" dirty="0" smtClean="0"/>
-              <a:t>새로운 영화의 헤드라인을 만들어주는 모델 </a:t>
+              <a:t>새로운 영화의 </a:t>
+            </a:r>
+            <a:r>
+              <a:rPr lang="ko-KR" altLang="en-US" dirty="0" err="1" smtClean="0"/>
+              <a:t>태그라인을</a:t>
+            </a:r>
+            <a:r>
+              <a:rPr lang="ko-KR" altLang="en-US" dirty="0" smtClean="0"/>
+              <a:t> </a:t>
+            </a:r>
+            <a:r>
+              <a:rPr lang="ko-KR" altLang="en-US" dirty="0" smtClean="0"/>
+              <a:t>만들어주는 모델 </a:t>
             </a:r>
             <a:endParaRPr lang="ko-KR" altLang="en-US" dirty="0"/>
           </a:p>
@@ -3367,7 +4232,12 @@
             <p:ph type="title"/>
           </p:nvPr>
         </p:nvSpPr>
-        <p:spPr/>
+        <p:spPr>
+          <a:xfrm>
+            <a:off x="838200" y="0"/>
+            <a:ext cx="10515600" cy="1325563"/>
+          </a:xfrm>
+        </p:spPr>
         <p:txBody>
           <a:bodyPr/>
           <a:lstStyle/>
@@ -3382,93 +4252,22 @@
       </p:sp>
       <p:pic>
         <p:nvPicPr>
-          <p:cNvPr id="10" name="그림 9"/>
+          <p:cNvPr id="3" name="그림 2"/>
           <p:cNvPicPr>
             <a:picLocks noChangeAspect="1"/>
           </p:cNvPicPr>
           <p:nvPr/>
         </p:nvPicPr>
         <p:blipFill>
-          <a:blip r:embed="rId2">
-            <a:extLst>
-              <a:ext uri="{BEBA8EAE-BF5A-486C-A8C5-ECC9F3942E4B}">
-                <a14:imgProps xmlns:a14="http://schemas.microsoft.com/office/drawing/2010/main">
-                  <a14:imgLayer r:embed="rId3">
-                    <a14:imgEffect>
-                      <a14:backgroundRemoval t="9926" b="96402" l="2270" r="98582">
-                        <a14:foregroundMark x1="20922" y1="27543" x2="21277" y2="26551"/>
-                        <a14:foregroundMark x1="20000" y1="28908" x2="16879" y2="20720"/>
-                        <a14:foregroundMark x1="18865" y1="33499" x2="13546" y2="34243"/>
-                        <a14:foregroundMark x1="19078" y1="35980" x2="5319" y2="35856"/>
-                        <a14:foregroundMark x1="19220" y1="27171" x2="15319" y2="43052"/>
-                        <a14:foregroundMark x1="14043" y1="46402" x2="16312" y2="38337"/>
-                        <a14:foregroundMark x1="22837" y1="26055" x2="33688" y2="24690"/>
-                        <a14:foregroundMark x1="39291" y1="23945" x2="60071" y2="15881"/>
-                        <a14:foregroundMark x1="39716" y1="22829" x2="47518" y2="16377"/>
-                        <a14:foregroundMark x1="48085" y1="18734" x2="56879" y2="16998"/>
-                        <a14:foregroundMark x1="38794" y1="27543" x2="47943" y2="34864"/>
-                        <a14:foregroundMark x1="36667" y1="27419" x2="46738" y2="48511"/>
-                        <a14:foregroundMark x1="36312" y1="27667" x2="47376" y2="88586"/>
-                        <a14:foregroundMark x1="48652" y1="37965" x2="91773" y2="35980"/>
-                        <a14:foregroundMark x1="46454" y1="46898" x2="81277" y2="45409"/>
-                        <a14:foregroundMark x1="47660" y1="49504" x2="61135" y2="58561"/>
-                        <a14:foregroundMark x1="47518" y1="49380" x2="59858" y2="70968"/>
-                        <a14:foregroundMark x1="47447" y1="48139" x2="59504" y2="84491"/>
-                        <a14:foregroundMark x1="45816" y1="88958" x2="64397" y2="96774"/>
-                        <a14:foregroundMark x1="63901" y1="58809" x2="78156" y2="59181"/>
-                        <a14:foregroundMark x1="35248" y1="28288" x2="45745" y2="86352"/>
-                        <a14:foregroundMark x1="20496" y1="26427" x2="14397" y2="47146"/>
-                        <a14:foregroundMark x1="23546" y1="25062" x2="32057" y2="24814"/>
-                        <a14:foregroundMark x1="19291" y1="28660" x2="13830" y2="45161"/>
-                        <a14:foregroundMark x1="39433" y1="22953" x2="45461" y2="16873"/>
-                        <a14:foregroundMark x1="48014" y1="18238" x2="57305" y2="17866"/>
-                        <a14:foregroundMark x1="49504" y1="47022" x2="61348" y2="46278"/>
-                        <a14:foregroundMark x1="60993" y1="47643" x2="77801" y2="47643"/>
-                        <a14:foregroundMark x1="75177" y1="49380" x2="97305" y2="48759"/>
-                        <a14:foregroundMark x1="80496" y1="45409" x2="98582" y2="45161"/>
-                        <a14:foregroundMark x1="66099" y1="71588" x2="80709" y2="71092"/>
-                        <a14:foregroundMark x1="35106" y1="27419" x2="45674" y2="89454"/>
-                        <a14:foregroundMark x1="41418" y1="42184" x2="45035" y2="47891"/>
-                        <a14:foregroundMark x1="38085" y1="23945" x2="44823" y2="16005"/>
-                        <a14:foregroundMark x1="63546" y1="59057" x2="77447" y2="60794"/>
-                        <a14:foregroundMark x1="65674" y1="72581" x2="77730" y2="72084"/>
-                        <a14:foregroundMark x1="56099" y1="95658" x2="48156" y2="90199"/>
-                        <a14:foregroundMark x1="47801" y1="17122" x2="57163" y2="16998"/>
-                        <a14:foregroundMark x1="20851" y1="26055" x2="31986" y2="26551"/>
-                        <a14:foregroundMark x1="16738" y1="24194" x2="15887" y2="26551"/>
-                        <a14:foregroundMark x1="17163" y1="25931" x2="18156" y2="21960"/>
-                        <a14:foregroundMark x1="16241" y1="24194" x2="16525" y2="21216"/>
-                        <a14:foregroundMark x1="44965" y1="87841" x2="44610" y2="90943"/>
-                        <a14:foregroundMark x1="41702" y1="54467" x2="46028" y2="66253"/>
-                        <a14:foregroundMark x1="46454" y1="70720" x2="48014" y2="87717"/>
-                        <a14:foregroundMark x1="45816" y1="66625" x2="46809" y2="79280"/>
-                        <a14:foregroundMark x1="16879" y1="32258" x2="17234" y2="13151"/>
-                        <a14:foregroundMark x1="2270" y1="35732" x2="29716" y2="35112"/>
-                        <a14:foregroundMark x1="3688" y1="48759" x2="26525" y2="48139"/>
-                        <a14:foregroundMark x1="44397" y1="32506" x2="56738" y2="36228"/>
-                        <a14:foregroundMark x1="78582" y1="38958" x2="85461" y2="37717"/>
-                        <a14:foregroundMark x1="14397" y1="36600" x2="14539" y2="44045"/>
-                        <a14:foregroundMark x1="57660" y1="82010" x2="59858" y2="86849"/>
-                        <a14:foregroundMark x1="48085" y1="87717" x2="58369" y2="93052"/>
-                        <a14:foregroundMark x1="3617" y1="32258" x2="17163" y2="32134"/>
-                        <a14:backgroundMark x1="5532" y1="7568" x2="5532" y2="5955"/>
-                        <a14:backgroundMark x1="4823" y1="7692" x2="3475" y2="21216"/>
-                        <a14:backgroundMark x1="3262" y1="17122" x2="6596" y2="8933"/>
-                      </a14:backgroundRemoval>
-                    </a14:imgEffect>
-                  </a14:imgLayer>
-                </a14:imgProps>
-              </a:ext>
-            </a:extLst>
-          </a:blip>
+          <a:blip r:embed="rId2"/>
           <a:stretch>
             <a:fillRect/>
           </a:stretch>
         </p:blipFill>
         <p:spPr>
           <a:xfrm>
-            <a:off x="446341" y="605409"/>
-            <a:ext cx="10907459" cy="5807410"/>
+            <a:off x="626364" y="1622679"/>
+            <a:ext cx="10939272" cy="4896993"/>
           </a:xfrm>
           <a:prstGeom prst="rect">
             <a:avLst/>
@@ -3924,37 +4723,9 @@
           <a:chExt cx="0" cy="0"/>
         </a:xfrm>
       </p:grpSpPr>
-      <p:sp>
-        <p:nvSpPr>
-          <p:cNvPr id="2" name="제목 1"/>
-          <p:cNvSpPr>
-            <a:spLocks noGrp="1"/>
-          </p:cNvSpPr>
-          <p:nvPr>
-            <p:ph type="title"/>
-          </p:nvPr>
-        </p:nvSpPr>
-        <p:spPr>
-          <a:xfrm>
-            <a:off x="838200" y="0"/>
-            <a:ext cx="10515600" cy="1325563"/>
-          </a:xfrm>
-        </p:spPr>
-        <p:txBody>
-          <a:bodyPr/>
-          <a:lstStyle/>
-          <a:p>
-            <a:r>
-              <a:rPr lang="ko-KR" altLang="en-US" dirty="0" smtClean="0"/>
-              <a:t>분석 절차</a:t>
-            </a:r>
-            <a:endParaRPr lang="ko-KR" altLang="en-US" dirty="0"/>
-          </a:p>
-        </p:txBody>
-      </p:sp>
       <p:pic>
         <p:nvPicPr>
-          <p:cNvPr id="4" name="그림 3"/>
+          <p:cNvPr id="5" name="그림 4"/>
           <p:cNvPicPr>
             <a:picLocks noChangeAspect="1"/>
           </p:cNvPicPr>
@@ -3968,14 +4739,66 @@
         </p:blipFill>
         <p:spPr>
           <a:xfrm>
-            <a:off x="1863988" y="1188049"/>
-            <a:ext cx="4832604" cy="2595372"/>
+            <a:off x="1773174" y="3835727"/>
+            <a:ext cx="4822562" cy="2544461"/>
           </a:xfrm>
           <a:prstGeom prst="rect">
             <a:avLst/>
           </a:prstGeom>
         </p:spPr>
       </p:pic>
+      <p:pic>
+        <p:nvPicPr>
+          <p:cNvPr id="3" name="그림 2"/>
+          <p:cNvPicPr>
+            <a:picLocks noChangeAspect="1"/>
+          </p:cNvPicPr>
+          <p:nvPr/>
+        </p:nvPicPr>
+        <p:blipFill>
+          <a:blip r:embed="rId3"/>
+          <a:stretch>
+            <a:fillRect/>
+          </a:stretch>
+        </p:blipFill>
+        <p:spPr>
+          <a:xfrm>
+            <a:off x="1773174" y="1187740"/>
+            <a:ext cx="4822562" cy="2513928"/>
+          </a:xfrm>
+          <a:prstGeom prst="rect">
+            <a:avLst/>
+          </a:prstGeom>
+        </p:spPr>
+      </p:pic>
+      <p:sp>
+        <p:nvSpPr>
+          <p:cNvPr id="2" name="제목 1"/>
+          <p:cNvSpPr>
+            <a:spLocks noGrp="1"/>
+          </p:cNvSpPr>
+          <p:nvPr>
+            <p:ph type="title"/>
+          </p:nvPr>
+        </p:nvSpPr>
+        <p:spPr>
+          <a:xfrm>
+            <a:off x="838200" y="0"/>
+            <a:ext cx="10515600" cy="1325563"/>
+          </a:xfrm>
+        </p:spPr>
+        <p:txBody>
+          <a:bodyPr/>
+          <a:lstStyle/>
+          <a:p>
+            <a:r>
+              <a:rPr lang="ko-KR" altLang="en-US" dirty="0" smtClean="0"/>
+              <a:t>분석 절차</a:t>
+            </a:r>
+            <a:endParaRPr lang="ko-KR" altLang="en-US" dirty="0"/>
+          </a:p>
+        </p:txBody>
+      </p:sp>
       <p:sp>
         <p:nvSpPr>
           <p:cNvPr id="9" name="오른쪽 화살표 8"/>
@@ -4033,13 +4856,13 @@
       </p:sp>
       <p:sp>
         <p:nvSpPr>
-          <p:cNvPr id="10" name="오른쪽 화살표 9"/>
+          <p:cNvPr id="12" name="오른쪽 화살표 11"/>
           <p:cNvSpPr/>
           <p:nvPr/>
         </p:nvSpPr>
         <p:spPr>
           <a:xfrm rot="10800000">
-            <a:off x="6812278" y="2346535"/>
+            <a:off x="6812278" y="4831207"/>
             <a:ext cx="1332808" cy="347472"/>
           </a:xfrm>
           <a:prstGeom prst="rightArrow">
@@ -4088,13 +4911,91 @@
       </p:sp>
       <p:sp>
         <p:nvSpPr>
-          <p:cNvPr id="12" name="오른쪽 화살표 11"/>
+          <p:cNvPr id="6" name="TextBox 5"/>
+          <p:cNvSpPr txBox="1"/>
+          <p:nvPr/>
+        </p:nvSpPr>
+        <p:spPr>
+          <a:xfrm>
+            <a:off x="8526017" y="1268912"/>
+            <a:ext cx="1728216" cy="369332"/>
+          </a:xfrm>
+          <a:prstGeom prst="rect">
+            <a:avLst/>
+          </a:prstGeom>
+          <a:noFill/>
+        </p:spPr>
+        <p:txBody>
+          <a:bodyPr wrap="square" rtlCol="0">
+            <a:spAutoFit/>
+          </a:bodyPr>
+          <a:lstStyle/>
+          <a:p>
+            <a:r>
+              <a:rPr lang="en-US" altLang="ko-KR" dirty="0" err="1" smtClean="0"/>
+              <a:t>Movie_name</a:t>
+            </a:r>
+            <a:endParaRPr lang="ko-KR" altLang="en-US" dirty="0"/>
+          </a:p>
+        </p:txBody>
+      </p:sp>
+      <p:sp>
+        <p:nvSpPr>
+          <p:cNvPr id="14" name="TextBox 13"/>
+          <p:cNvSpPr txBox="1"/>
+          <p:nvPr/>
+        </p:nvSpPr>
+        <p:spPr>
+          <a:xfrm>
+            <a:off x="8526016" y="4543278"/>
+            <a:ext cx="2041670" cy="923330"/>
+          </a:xfrm>
+          <a:prstGeom prst="rect">
+            <a:avLst/>
+          </a:prstGeom>
+          <a:noFill/>
+        </p:spPr>
+        <p:txBody>
+          <a:bodyPr wrap="square" rtlCol="0">
+            <a:spAutoFit/>
+          </a:bodyPr>
+          <a:lstStyle/>
+          <a:p>
+            <a:r>
+              <a:rPr lang="en-US" altLang="ko-KR" dirty="0" err="1" smtClean="0"/>
+              <a:t>Movie_summary</a:t>
+            </a:r>
+            <a:r>
+              <a:rPr lang="en-US" altLang="ko-KR" dirty="0" smtClean="0"/>
+              <a:t> </a:t>
+            </a:r>
+            <a:endParaRPr lang="en-US" altLang="ko-KR" dirty="0" smtClean="0"/>
+          </a:p>
+          <a:p>
+            <a:pPr algn="ctr"/>
+            <a:r>
+              <a:rPr lang="en-US" altLang="ko-KR" dirty="0" smtClean="0"/>
+              <a:t>&amp; </a:t>
+            </a:r>
+          </a:p>
+          <a:p>
+            <a:r>
+              <a:rPr lang="en-US" altLang="ko-KR" dirty="0" err="1" smtClean="0"/>
+              <a:t>Movie_synopsis</a:t>
+            </a:r>
+            <a:endParaRPr lang="en-US" altLang="ko-KR" dirty="0" smtClean="0"/>
+          </a:p>
+        </p:txBody>
+      </p:sp>
+      <p:sp>
+        <p:nvSpPr>
+          <p:cNvPr id="16" name="오른쪽 화살표 15"/>
           <p:cNvSpPr/>
           <p:nvPr/>
         </p:nvSpPr>
         <p:spPr>
           <a:xfrm rot="10800000">
-            <a:off x="6812278" y="5005017"/>
+            <a:off x="6812279" y="6010857"/>
             <a:ext cx="1332808" cy="347472"/>
           </a:xfrm>
           <a:prstGeom prst="rightArrow">
@@ -4143,14 +5044,14 @@
       </p:sp>
       <p:sp>
         <p:nvSpPr>
-          <p:cNvPr id="6" name="TextBox 5"/>
+          <p:cNvPr id="17" name="TextBox 16"/>
           <p:cNvSpPr txBox="1"/>
           <p:nvPr/>
         </p:nvSpPr>
         <p:spPr>
           <a:xfrm>
-            <a:off x="8526017" y="1268912"/>
-            <a:ext cx="1728216" cy="369332"/>
+            <a:off x="8526017" y="6010857"/>
+            <a:ext cx="1940049" cy="369332"/>
           </a:xfrm>
           <a:prstGeom prst="rect">
             <a:avLst/>
@@ -4165,113 +5066,181 @@
           <a:p>
             <a:r>
               <a:rPr lang="en-US" altLang="ko-KR" dirty="0" err="1" smtClean="0"/>
-              <a:t>Movie_name</a:t>
-            </a:r>
-            <a:endParaRPr lang="ko-KR" altLang="en-US" dirty="0"/>
-          </a:p>
-        </p:txBody>
-      </p:sp>
-      <p:sp>
-        <p:nvSpPr>
-          <p:cNvPr id="13" name="TextBox 12"/>
-          <p:cNvSpPr txBox="1"/>
+              <a:t>Movie_genre</a:t>
+            </a:r>
+            <a:endParaRPr lang="en-US" altLang="ko-KR" dirty="0" smtClean="0"/>
+          </a:p>
+        </p:txBody>
+      </p:sp>
+      <p:sp>
+        <p:nvSpPr>
+          <p:cNvPr id="18" name="직사각형 17"/>
+          <p:cNvSpPr/>
           <p:nvPr/>
         </p:nvSpPr>
         <p:spPr>
           <a:xfrm>
-            <a:off x="8526017" y="2335604"/>
-            <a:ext cx="1728216" cy="369332"/>
+            <a:off x="1810611" y="4857510"/>
+            <a:ext cx="1656452" cy="294867"/>
           </a:xfrm>
           <a:prstGeom prst="rect">
             <a:avLst/>
           </a:prstGeom>
           <a:noFill/>
-        </p:spPr>
-        <p:txBody>
-          <a:bodyPr wrap="square" rtlCol="0">
-            <a:spAutoFit/>
-          </a:bodyPr>
-          <a:lstStyle/>
-          <a:p>
-            <a:r>
-              <a:rPr lang="en-US" altLang="ko-KR" dirty="0" err="1" smtClean="0"/>
-              <a:t>Movie_poster</a:t>
-            </a:r>
-            <a:endParaRPr lang="ko-KR" altLang="en-US" dirty="0"/>
-          </a:p>
-        </p:txBody>
-      </p:sp>
-      <p:sp>
-        <p:nvSpPr>
-          <p:cNvPr id="14" name="TextBox 13"/>
-          <p:cNvSpPr txBox="1"/>
+          <a:ln w="76200"/>
+        </p:spPr>
+        <p:style>
+          <a:lnRef idx="1">
+            <a:schemeClr val="accent2"/>
+          </a:lnRef>
+          <a:fillRef idx="3">
+            <a:schemeClr val="accent2"/>
+          </a:fillRef>
+          <a:effectRef idx="2">
+            <a:schemeClr val="accent2"/>
+          </a:effectRef>
+          <a:fontRef idx="minor">
+            <a:schemeClr val="lt1"/>
+          </a:fontRef>
+        </p:style>
+        <p:txBody>
+          <a:bodyPr rtlCol="0" anchor="ctr"/>
+          <a:lstStyle/>
+          <a:p>
+            <a:pPr algn="ctr"/>
+            <a:endParaRPr lang="ko-KR" altLang="en-US"/>
+          </a:p>
+        </p:txBody>
+      </p:sp>
+      <p:sp>
+        <p:nvSpPr>
+          <p:cNvPr id="19" name="직사각형 18"/>
+          <p:cNvSpPr/>
           <p:nvPr/>
         </p:nvSpPr>
         <p:spPr>
           <a:xfrm>
-            <a:off x="8526018" y="4717088"/>
-            <a:ext cx="1940049" cy="923330"/>
+            <a:off x="1810611" y="6079313"/>
+            <a:ext cx="1020512" cy="279017"/>
           </a:xfrm>
           <a:prstGeom prst="rect">
             <a:avLst/>
           </a:prstGeom>
           <a:noFill/>
-        </p:spPr>
-        <p:txBody>
-          <a:bodyPr wrap="square" rtlCol="0">
-            <a:spAutoFit/>
-          </a:bodyPr>
-          <a:lstStyle/>
-          <a:p>
-            <a:r>
-              <a:rPr lang="en-US" altLang="ko-KR" dirty="0" err="1" smtClean="0"/>
-              <a:t>Movie_summary</a:t>
-            </a:r>
-            <a:r>
-              <a:rPr lang="en-US" altLang="ko-KR" dirty="0" smtClean="0"/>
-              <a:t> &amp; </a:t>
-            </a:r>
-            <a:r>
-              <a:rPr lang="en-US" altLang="ko-KR" dirty="0" err="1" smtClean="0"/>
-              <a:t>Movie_synopsis</a:t>
-            </a:r>
-            <a:endParaRPr lang="en-US" altLang="ko-KR" dirty="0" smtClean="0"/>
-          </a:p>
-        </p:txBody>
-      </p:sp>
-      <p:pic>
-        <p:nvPicPr>
-          <p:cNvPr id="15" name="그림 14"/>
-          <p:cNvPicPr>
-            <a:picLocks noChangeAspect="1"/>
-          </p:cNvPicPr>
+          <a:ln w="76200"/>
+        </p:spPr>
+        <p:style>
+          <a:lnRef idx="1">
+            <a:schemeClr val="accent2"/>
+          </a:lnRef>
+          <a:fillRef idx="3">
+            <a:schemeClr val="accent2"/>
+          </a:fillRef>
+          <a:effectRef idx="2">
+            <a:schemeClr val="accent2"/>
+          </a:effectRef>
+          <a:fontRef idx="minor">
+            <a:schemeClr val="lt1"/>
+          </a:fontRef>
+        </p:style>
+        <p:txBody>
+          <a:bodyPr rtlCol="0" anchor="ctr"/>
+          <a:lstStyle/>
+          <a:p>
+            <a:pPr algn="ctr"/>
+            <a:endParaRPr lang="ko-KR" altLang="en-US"/>
+          </a:p>
+        </p:txBody>
+      </p:sp>
+      <p:sp>
+        <p:nvSpPr>
+          <p:cNvPr id="22" name="직사각형 21"/>
+          <p:cNvSpPr/>
           <p:nvPr/>
-        </p:nvPicPr>
-        <p:blipFill>
-          <a:blip r:embed="rId3"/>
-          <a:stretch>
-            <a:fillRect/>
-          </a:stretch>
-        </p:blipFill>
-        <p:spPr>
-          <a:xfrm>
-            <a:off x="1863988" y="3783421"/>
-            <a:ext cx="4822562" cy="2596768"/>
+        </p:nvSpPr>
+        <p:spPr>
+          <a:xfrm>
+            <a:off x="1810611" y="1162464"/>
+            <a:ext cx="2927468" cy="494307"/>
           </a:xfrm>
           <a:prstGeom prst="rect">
             <a:avLst/>
           </a:prstGeom>
-        </p:spPr>
-      </p:pic>
-      <p:sp>
-        <p:nvSpPr>
-          <p:cNvPr id="16" name="오른쪽 화살표 15"/>
+          <a:noFill/>
+          <a:ln w="76200"/>
+        </p:spPr>
+        <p:style>
+          <a:lnRef idx="1">
+            <a:schemeClr val="accent2"/>
+          </a:lnRef>
+          <a:fillRef idx="3">
+            <a:schemeClr val="accent2"/>
+          </a:fillRef>
+          <a:effectRef idx="2">
+            <a:schemeClr val="accent2"/>
+          </a:effectRef>
+          <a:fontRef idx="minor">
+            <a:schemeClr val="lt1"/>
+          </a:fontRef>
+        </p:style>
+        <p:txBody>
+          <a:bodyPr rtlCol="0" anchor="ctr"/>
+          <a:lstStyle/>
+          <a:p>
+            <a:pPr algn="ctr"/>
+            <a:endParaRPr lang="ko-KR" altLang="en-US"/>
+          </a:p>
+        </p:txBody>
+      </p:sp>
+      <p:sp>
+        <p:nvSpPr>
+          <p:cNvPr id="20" name="직사각형 19"/>
           <p:cNvSpPr/>
           <p:nvPr/>
         </p:nvSpPr>
         <p:spPr>
+          <a:xfrm>
+            <a:off x="1807899" y="5687552"/>
+            <a:ext cx="2049018" cy="294867"/>
+          </a:xfrm>
+          <a:prstGeom prst="rect">
+            <a:avLst/>
+          </a:prstGeom>
+          <a:noFill/>
+          <a:ln w="76200"/>
+        </p:spPr>
+        <p:style>
+          <a:lnRef idx="1">
+            <a:schemeClr val="accent2"/>
+          </a:lnRef>
+          <a:fillRef idx="3">
+            <a:schemeClr val="accent2"/>
+          </a:fillRef>
+          <a:effectRef idx="2">
+            <a:schemeClr val="accent2"/>
+          </a:effectRef>
+          <a:fontRef idx="minor">
+            <a:schemeClr val="lt1"/>
+          </a:fontRef>
+        </p:style>
+        <p:txBody>
+          <a:bodyPr rtlCol="0" anchor="ctr"/>
+          <a:lstStyle/>
+          <a:p>
+            <a:pPr algn="ctr"/>
+            <a:endParaRPr lang="ko-KR" altLang="en-US"/>
+          </a:p>
+        </p:txBody>
+      </p:sp>
+      <p:sp>
+        <p:nvSpPr>
+          <p:cNvPr id="21" name="오른쪽 화살표 20"/>
+          <p:cNvSpPr/>
+          <p:nvPr/>
+        </p:nvSpPr>
+        <p:spPr>
           <a:xfrm rot="10800000">
-            <a:off x="6812279" y="6010857"/>
+            <a:off x="6812278" y="5634947"/>
             <a:ext cx="1332808" cy="347472"/>
           </a:xfrm>
           <a:prstGeom prst="rightArrow">
@@ -4320,13 +5289,13 @@
       </p:sp>
       <p:sp>
         <p:nvSpPr>
-          <p:cNvPr id="17" name="TextBox 16"/>
+          <p:cNvPr id="24" name="TextBox 23"/>
           <p:cNvSpPr txBox="1"/>
           <p:nvPr/>
         </p:nvSpPr>
         <p:spPr>
           <a:xfrm>
-            <a:off x="8526017" y="6010857"/>
+            <a:off x="8526016" y="5634947"/>
             <a:ext cx="1940049" cy="369332"/>
           </a:xfrm>
           <a:prstGeom prst="rect">
@@ -4342,169 +5311,9 @@
           <a:p>
             <a:r>
               <a:rPr lang="en-US" altLang="ko-KR" dirty="0" err="1" smtClean="0"/>
-              <a:t>Movie_genre</a:t>
+              <a:t>Movie_tagline</a:t>
             </a:r>
             <a:endParaRPr lang="en-US" altLang="ko-KR" dirty="0" smtClean="0"/>
-          </a:p>
-        </p:txBody>
-      </p:sp>
-      <p:sp>
-        <p:nvSpPr>
-          <p:cNvPr id="18" name="직사각형 17"/>
-          <p:cNvSpPr/>
-          <p:nvPr/>
-        </p:nvSpPr>
-        <p:spPr>
-          <a:xfrm>
-            <a:off x="1853946" y="5081805"/>
-            <a:ext cx="1656452" cy="294867"/>
-          </a:xfrm>
-          <a:prstGeom prst="rect">
-            <a:avLst/>
-          </a:prstGeom>
-          <a:noFill/>
-          <a:ln w="76200"/>
-        </p:spPr>
-        <p:style>
-          <a:lnRef idx="1">
-            <a:schemeClr val="accent2"/>
-          </a:lnRef>
-          <a:fillRef idx="3">
-            <a:schemeClr val="accent2"/>
-          </a:fillRef>
-          <a:effectRef idx="2">
-            <a:schemeClr val="accent2"/>
-          </a:effectRef>
-          <a:fontRef idx="minor">
-            <a:schemeClr val="lt1"/>
-          </a:fontRef>
-        </p:style>
-        <p:txBody>
-          <a:bodyPr rtlCol="0" anchor="ctr"/>
-          <a:lstStyle/>
-          <a:p>
-            <a:pPr algn="ctr"/>
-            <a:endParaRPr lang="ko-KR" altLang="en-US"/>
-          </a:p>
-        </p:txBody>
-      </p:sp>
-      <p:sp>
-        <p:nvSpPr>
-          <p:cNvPr id="19" name="직사각형 18"/>
-          <p:cNvSpPr/>
-          <p:nvPr/>
-        </p:nvSpPr>
-        <p:spPr>
-          <a:xfrm>
-            <a:off x="1853946" y="6139565"/>
-            <a:ext cx="1876806" cy="294867"/>
-          </a:xfrm>
-          <a:prstGeom prst="rect">
-            <a:avLst/>
-          </a:prstGeom>
-          <a:noFill/>
-          <a:ln w="76200"/>
-        </p:spPr>
-        <p:style>
-          <a:lnRef idx="1">
-            <a:schemeClr val="accent2"/>
-          </a:lnRef>
-          <a:fillRef idx="3">
-            <a:schemeClr val="accent2"/>
-          </a:fillRef>
-          <a:effectRef idx="2">
-            <a:schemeClr val="accent2"/>
-          </a:effectRef>
-          <a:fontRef idx="minor">
-            <a:schemeClr val="lt1"/>
-          </a:fontRef>
-        </p:style>
-        <p:txBody>
-          <a:bodyPr rtlCol="0" anchor="ctr"/>
-          <a:lstStyle/>
-          <a:p>
-            <a:pPr algn="ctr"/>
-            <a:endParaRPr lang="ko-KR" altLang="en-US"/>
-          </a:p>
-        </p:txBody>
-      </p:sp>
-      <p:sp>
-        <p:nvSpPr>
-          <p:cNvPr id="22" name="직사각형 21"/>
-          <p:cNvSpPr/>
-          <p:nvPr/>
-        </p:nvSpPr>
-        <p:spPr>
-          <a:xfrm>
-            <a:off x="1863988" y="1224765"/>
-            <a:ext cx="4033892" cy="494307"/>
-          </a:xfrm>
-          <a:prstGeom prst="rect">
-            <a:avLst/>
-          </a:prstGeom>
-          <a:noFill/>
-          <a:ln w="76200"/>
-        </p:spPr>
-        <p:style>
-          <a:lnRef idx="1">
-            <a:schemeClr val="accent2"/>
-          </a:lnRef>
-          <a:fillRef idx="3">
-            <a:schemeClr val="accent2"/>
-          </a:fillRef>
-          <a:effectRef idx="2">
-            <a:schemeClr val="accent2"/>
-          </a:effectRef>
-          <a:fontRef idx="minor">
-            <a:schemeClr val="lt1"/>
-          </a:fontRef>
-        </p:style>
-        <p:txBody>
-          <a:bodyPr rtlCol="0" anchor="ctr"/>
-          <a:lstStyle/>
-          <a:p>
-            <a:pPr algn="ctr"/>
-            <a:endParaRPr lang="ko-KR" altLang="en-US"/>
-          </a:p>
-        </p:txBody>
-      </p:sp>
-      <p:sp>
-        <p:nvSpPr>
-          <p:cNvPr id="23" name="직사각형 22"/>
-          <p:cNvSpPr/>
-          <p:nvPr/>
-        </p:nvSpPr>
-        <p:spPr>
-          <a:xfrm>
-            <a:off x="1853946" y="1817710"/>
-            <a:ext cx="1355598" cy="1526482"/>
-          </a:xfrm>
-          <a:prstGeom prst="rect">
-            <a:avLst/>
-          </a:prstGeom>
-          <a:noFill/>
-          <a:ln w="76200"/>
-        </p:spPr>
-        <p:style>
-          <a:lnRef idx="1">
-            <a:schemeClr val="accent2"/>
-          </a:lnRef>
-          <a:fillRef idx="3">
-            <a:schemeClr val="accent2"/>
-          </a:fillRef>
-          <a:effectRef idx="2">
-            <a:schemeClr val="accent2"/>
-          </a:effectRef>
-          <a:fontRef idx="minor">
-            <a:schemeClr val="lt1"/>
-          </a:fontRef>
-        </p:style>
-        <p:txBody>
-          <a:bodyPr rtlCol="0" anchor="ctr"/>
-          <a:lstStyle/>
-          <a:p>
-            <a:pPr algn="ctr"/>
-            <a:endParaRPr lang="ko-KR" altLang="en-US"/>
           </a:p>
         </p:txBody>
       </p:sp>
@@ -4555,7 +5364,12 @@
             <p:ph type="title"/>
           </p:nvPr>
         </p:nvSpPr>
-        <p:spPr/>
+        <p:spPr>
+          <a:xfrm>
+            <a:off x="838200" y="0"/>
+            <a:ext cx="10515600" cy="1325563"/>
+          </a:xfrm>
+        </p:spPr>
         <p:txBody>
           <a:bodyPr/>
           <a:lstStyle/>
@@ -4568,58 +5382,88 @@
           </a:p>
         </p:txBody>
       </p:sp>
+      <p:sp>
+        <p:nvSpPr>
+          <p:cNvPr id="5" name="내용 개체 틀 4"/>
+          <p:cNvSpPr>
+            <a:spLocks noGrp="1"/>
+          </p:cNvSpPr>
+          <p:nvPr>
+            <p:ph idx="1"/>
+          </p:nvPr>
+        </p:nvSpPr>
+        <p:spPr/>
+        <p:txBody>
+          <a:bodyPr/>
+          <a:lstStyle/>
+          <a:p>
+            <a:r>
+              <a:rPr lang="en-US" altLang="ko-KR" dirty="0" smtClean="0"/>
+              <a:t>Seq2seq</a:t>
+            </a:r>
+          </a:p>
+          <a:p>
+            <a:r>
+              <a:rPr lang="en-US" altLang="ko-KR" dirty="0" smtClean="0"/>
+              <a:t>RNN</a:t>
+            </a:r>
+          </a:p>
+          <a:p>
+            <a:r>
+              <a:rPr lang="en-US" altLang="ko-KR" dirty="0" smtClean="0"/>
+              <a:t>Transformer</a:t>
+            </a:r>
+          </a:p>
+          <a:p>
+            <a:endParaRPr lang="ko-KR" altLang="en-US" dirty="0"/>
+          </a:p>
+        </p:txBody>
+      </p:sp>
       <p:pic>
         <p:nvPicPr>
-          <p:cNvPr id="3" name="그림 2"/>
+          <p:cNvPr id="6" name="Picture 2" descr="seq2seq attention에 대한 이미지 검색결과"/>
           <p:cNvPicPr>
-            <a:picLocks noChangeAspect="1"/>
+            <a:picLocks noChangeAspect="1" noChangeArrowheads="1"/>
           </p:cNvPicPr>
           <p:nvPr/>
         </p:nvPicPr>
         <p:blipFill>
-          <a:blip r:embed="rId2"/>
+          <a:blip r:embed="rId2">
+            <a:extLst>
+              <a:ext uri="{28A0092B-C50C-407E-A947-70E740481C1C}">
+                <a14:useLocalDpi xmlns:a14="http://schemas.microsoft.com/office/drawing/2010/main" val="0"/>
+              </a:ext>
+            </a:extLst>
+          </a:blip>
+          <a:srcRect/>
           <a:stretch>
             <a:fillRect/>
           </a:stretch>
         </p:blipFill>
-        <p:spPr>
-          <a:xfrm>
-            <a:off x="838200" y="1500378"/>
-            <a:ext cx="5146461" cy="4763262"/>
+        <p:spPr bwMode="auto">
+          <a:xfrm>
+            <a:off x="4699003" y="2035937"/>
+            <a:ext cx="4195712" cy="3112135"/>
           </a:xfrm>
           <a:prstGeom prst="rect">
             <a:avLst/>
           </a:prstGeom>
-        </p:spPr>
-      </p:pic>
-      <p:pic>
-        <p:nvPicPr>
-          <p:cNvPr id="4" name="그림 3"/>
-          <p:cNvPicPr>
-            <a:picLocks noChangeAspect="1"/>
-          </p:cNvPicPr>
-          <p:nvPr/>
-        </p:nvPicPr>
-        <p:blipFill>
-          <a:blip r:embed="rId3"/>
-          <a:stretch>
-            <a:fillRect/>
-          </a:stretch>
-        </p:blipFill>
-        <p:spPr>
-          <a:xfrm>
-            <a:off x="7095744" y="1500378"/>
-            <a:ext cx="3575304" cy="5004786"/>
-          </a:xfrm>
-          <a:prstGeom prst="rect">
-            <a:avLst/>
-          </a:prstGeom>
+          <a:noFill/>
+          <a:extLst>
+            <a:ext uri="{909E8E84-426E-40DD-AFC4-6F175D3DCCD1}">
+              <a14:hiddenFill xmlns:a14="http://schemas.microsoft.com/office/drawing/2010/main">
+                <a:solidFill>
+                  <a:srgbClr val="FFFFFF"/>
+                </a:solidFill>
+              </a14:hiddenFill>
+            </a:ext>
+          </a:extLst>
         </p:spPr>
       </p:pic>
     </p:spTree>
     <p:extLst>
       <p:ext uri="{BB962C8B-B14F-4D97-AF65-F5344CB8AC3E}">
-        <p14:creationId xmlns:p14="http://schemas.microsoft.com/office/powerpoint/2010/main" val="1299121602"/>
+        <p14:creationId xmlns:p14="http://schemas.microsoft.com/office/powerpoint/2010/main" val="1086125121"/>
       </p:ext>
     </p:extLst>
   </p:cSld>
@@ -4663,7 +5507,12 @@
             <p:ph type="title"/>
           </p:nvPr>
         </p:nvSpPr>
-        <p:spPr/>
+        <p:spPr>
+          <a:xfrm>
+            <a:off x="838201" y="0"/>
+            <a:ext cx="10515600" cy="1325563"/>
+          </a:xfrm>
+        </p:spPr>
         <p:txBody>
           <a:bodyPr/>
           <a:lstStyle/>
@@ -4676,76 +5525,58 @@
           </a:p>
         </p:txBody>
       </p:sp>
-      <p:sp>
-        <p:nvSpPr>
-          <p:cNvPr id="5" name="내용 개체 틀 4"/>
-          <p:cNvSpPr>
-            <a:spLocks noGrp="1"/>
-          </p:cNvSpPr>
-          <p:nvPr>
-            <p:ph idx="1"/>
-          </p:nvPr>
-        </p:nvSpPr>
-        <p:spPr/>
-        <p:txBody>
-          <a:bodyPr/>
-          <a:lstStyle/>
-          <a:p>
-            <a:r>
-              <a:rPr lang="en-US" altLang="ko-KR" dirty="0" smtClean="0"/>
-              <a:t>Seq2seq</a:t>
-            </a:r>
-          </a:p>
-          <a:p>
-            <a:endParaRPr lang="ko-KR" altLang="en-US" dirty="0"/>
-          </a:p>
-        </p:txBody>
-      </p:sp>
       <p:pic>
         <p:nvPicPr>
-          <p:cNvPr id="6" name="Picture 2" descr="seq2seq attention에 대한 이미지 검색결과"/>
+          <p:cNvPr id="5" name="그림 4"/>
           <p:cNvPicPr>
-            <a:picLocks noChangeAspect="1" noChangeArrowheads="1"/>
+            <a:picLocks noChangeAspect="1"/>
           </p:cNvPicPr>
           <p:nvPr/>
         </p:nvPicPr>
         <p:blipFill>
-          <a:blip r:embed="rId2">
-            <a:extLst>
-              <a:ext uri="{28A0092B-C50C-407E-A947-70E740481C1C}">
-                <a14:useLocalDpi xmlns:a14="http://schemas.microsoft.com/office/drawing/2010/main" val="0"/>
-              </a:ext>
-            </a:extLst>
-          </a:blip>
-          <a:srcRect/>
+          <a:blip r:embed="rId2"/>
           <a:stretch>
             <a:fillRect/>
           </a:stretch>
         </p:blipFill>
-        <p:spPr bwMode="auto">
-          <a:xfrm>
-            <a:off x="4699003" y="2035937"/>
-            <a:ext cx="4195712" cy="3112135"/>
+        <p:spPr>
+          <a:xfrm>
+            <a:off x="838201" y="1816989"/>
+            <a:ext cx="4799146" cy="4538091"/>
           </a:xfrm>
           <a:prstGeom prst="rect">
             <a:avLst/>
           </a:prstGeom>
-          <a:noFill/>
-          <a:extLst>
-            <a:ext uri="{909E8E84-426E-40DD-AFC4-6F175D3DCCD1}">
-              <a14:hiddenFill xmlns:a14="http://schemas.microsoft.com/office/drawing/2010/main">
-                <a:solidFill>
-                  <a:srgbClr val="FFFFFF"/>
-                </a:solidFill>
-              </a14:hiddenFill>
-            </a:ext>
-          </a:extLst>
+        </p:spPr>
+      </p:pic>
+      <p:pic>
+        <p:nvPicPr>
+          <p:cNvPr id="6" name="그림 5"/>
+          <p:cNvPicPr>
+            <a:picLocks noChangeAspect="1"/>
+          </p:cNvPicPr>
+          <p:nvPr/>
+        </p:nvPicPr>
+        <p:blipFill>
+          <a:blip r:embed="rId3"/>
+          <a:stretch>
+            <a:fillRect/>
+          </a:stretch>
+        </p:blipFill>
+        <p:spPr>
+          <a:xfrm>
+            <a:off x="6340411" y="1816989"/>
+            <a:ext cx="4924425" cy="4474083"/>
+          </a:xfrm>
+          <a:prstGeom prst="rect">
+            <a:avLst/>
+          </a:prstGeom>
         </p:spPr>
       </p:pic>
     </p:spTree>
     <p:extLst>
       <p:ext uri="{BB962C8B-B14F-4D97-AF65-F5344CB8AC3E}">
-        <p14:creationId xmlns:p14="http://schemas.microsoft.com/office/powerpoint/2010/main" val="1086125121"/>
+        <p14:creationId xmlns:p14="http://schemas.microsoft.com/office/powerpoint/2010/main" val="1299121602"/>
       </p:ext>
     </p:extLst>
   </p:cSld>
@@ -4789,14 +5620,246 @@
             <p:ph type="title"/>
           </p:nvPr>
         </p:nvSpPr>
-        <p:spPr/>
+        <p:spPr>
+          <a:xfrm>
+            <a:off x="838200" y="0"/>
+            <a:ext cx="10515600" cy="1325563"/>
+          </a:xfrm>
+        </p:spPr>
         <p:txBody>
           <a:bodyPr/>
           <a:lstStyle/>
           <a:p>
             <a:r>
               <a:rPr lang="ko-KR" altLang="en-US" dirty="0" smtClean="0"/>
-              <a:t>일정</a:t>
+              <a:t>확장 </a:t>
+            </a:r>
+            <a:r>
+              <a:rPr lang="ko-KR" altLang="en-US" dirty="0" smtClean="0"/>
+              <a:t>기능</a:t>
+            </a:r>
+            <a:r>
+              <a:rPr lang="en-US" altLang="ko-KR" dirty="0" smtClean="0"/>
+              <a:t>: </a:t>
+            </a:r>
+            <a:r>
+              <a:rPr lang="ko-KR" altLang="en-US" sz="2000" dirty="0"/>
+              <a:t>온라인 </a:t>
+            </a:r>
+            <a:r>
+              <a:rPr lang="en-US" altLang="ko-KR" sz="2000" dirty="0"/>
+              <a:t>display </a:t>
+            </a:r>
+            <a:r>
+              <a:rPr lang="ko-KR" altLang="en-US" sz="2000" dirty="0"/>
+              <a:t>광고 </a:t>
+            </a:r>
+            <a:r>
+              <a:rPr lang="ko-KR" altLang="en-US" sz="2000" dirty="0" smtClean="0"/>
+              <a:t>카피</a:t>
+            </a:r>
+            <a:endParaRPr lang="ko-KR" altLang="en-US" sz="2000" dirty="0"/>
+          </a:p>
+        </p:txBody>
+      </p:sp>
+      <p:sp>
+        <p:nvSpPr>
+          <p:cNvPr id="5" name="직사각형 4"/>
+          <p:cNvSpPr/>
+          <p:nvPr/>
+        </p:nvSpPr>
+        <p:spPr>
+          <a:xfrm>
+            <a:off x="838200" y="2430518"/>
+            <a:ext cx="9417386" cy="369332"/>
+          </a:xfrm>
+          <a:prstGeom prst="rect">
+            <a:avLst/>
+          </a:prstGeom>
+        </p:spPr>
+        <p:txBody>
+          <a:bodyPr wrap="none">
+            <a:spAutoFit/>
+          </a:bodyPr>
+          <a:lstStyle/>
+          <a:p>
+            <a:r>
+              <a:rPr lang="en-US" altLang="ko-KR" dirty="0" smtClean="0"/>
+              <a:t>Text to </a:t>
+            </a:r>
+            <a:r>
+              <a:rPr lang="en-US" altLang="ko-KR" dirty="0" smtClean="0"/>
+              <a:t>image </a:t>
+            </a:r>
+            <a:r>
+              <a:rPr lang="ko-KR" altLang="en-US" dirty="0" smtClean="0"/>
+              <a:t>활용 기초 포스터 제작</a:t>
+            </a:r>
+            <a:r>
+              <a:rPr lang="en-US" altLang="ko-KR" dirty="0" smtClean="0"/>
+              <a:t>: </a:t>
+            </a:r>
+            <a:r>
+              <a:rPr lang="ko-KR" altLang="en-US" dirty="0" smtClean="0"/>
+              <a:t>https</a:t>
+            </a:r>
+            <a:r>
+              <a:rPr lang="ko-KR" altLang="en-US" dirty="0"/>
+              <a:t>://twitter.com/i/status/1029716799934357505</a:t>
+            </a:r>
+          </a:p>
+        </p:txBody>
+      </p:sp>
+      <p:sp>
+        <p:nvSpPr>
+          <p:cNvPr id="6" name="직사각형 5"/>
+          <p:cNvSpPr/>
+          <p:nvPr/>
+        </p:nvSpPr>
+        <p:spPr>
+          <a:xfrm>
+            <a:off x="838200" y="3168134"/>
+            <a:ext cx="2768707" cy="369332"/>
+          </a:xfrm>
+          <a:prstGeom prst="rect">
+            <a:avLst/>
+          </a:prstGeom>
+        </p:spPr>
+        <p:txBody>
+          <a:bodyPr wrap="none">
+            <a:spAutoFit/>
+          </a:bodyPr>
+          <a:lstStyle/>
+          <a:p>
+            <a:r>
+              <a:rPr lang="ko-KR" altLang="en-US" dirty="0" smtClean="0"/>
+              <a:t>온라인 </a:t>
+            </a:r>
+            <a:r>
+              <a:rPr lang="en-US" altLang="ko-KR" dirty="0" smtClean="0"/>
+              <a:t>display </a:t>
+            </a:r>
+            <a:r>
+              <a:rPr lang="ko-KR" altLang="en-US" dirty="0" smtClean="0"/>
+              <a:t>광고 카피</a:t>
+            </a:r>
+            <a:endParaRPr lang="ko-KR" altLang="en-US" dirty="0"/>
+          </a:p>
+        </p:txBody>
+      </p:sp>
+      <p:sp>
+        <p:nvSpPr>
+          <p:cNvPr id="7" name="직사각형 6"/>
+          <p:cNvSpPr/>
+          <p:nvPr/>
+        </p:nvSpPr>
+        <p:spPr>
+          <a:xfrm>
+            <a:off x="838200" y="3905750"/>
+            <a:ext cx="5981125" cy="369332"/>
+          </a:xfrm>
+          <a:prstGeom prst="rect">
+            <a:avLst/>
+          </a:prstGeom>
+        </p:spPr>
+        <p:txBody>
+          <a:bodyPr wrap="none">
+            <a:spAutoFit/>
+          </a:bodyPr>
+          <a:lstStyle/>
+          <a:p>
+            <a:r>
+              <a:rPr lang="ko-KR" altLang="en-US" dirty="0" smtClean="0"/>
+              <a:t>원하는 접근 전략</a:t>
+            </a:r>
+            <a:r>
+              <a:rPr lang="en-US" altLang="ko-KR" dirty="0" smtClean="0"/>
+              <a:t>(</a:t>
+            </a:r>
+            <a:r>
+              <a:rPr lang="ko-KR" altLang="en-US" dirty="0" smtClean="0"/>
+              <a:t>감정</a:t>
+            </a:r>
+            <a:r>
+              <a:rPr lang="en-US" altLang="ko-KR" dirty="0" smtClean="0"/>
+              <a:t>,</a:t>
+            </a:r>
+            <a:r>
+              <a:rPr lang="ko-KR" altLang="en-US" dirty="0"/>
+              <a:t> </a:t>
+            </a:r>
+            <a:r>
+              <a:rPr lang="ko-KR" altLang="en-US" dirty="0" smtClean="0"/>
+              <a:t>사실</a:t>
+            </a:r>
+            <a:r>
+              <a:rPr lang="en-US" altLang="ko-KR" dirty="0" smtClean="0"/>
+              <a:t>, </a:t>
+            </a:r>
+            <a:r>
+              <a:rPr lang="ko-KR" altLang="en-US" dirty="0" smtClean="0"/>
+              <a:t>설명</a:t>
+            </a:r>
+            <a:r>
+              <a:rPr lang="en-US" altLang="ko-KR" dirty="0" smtClean="0"/>
+              <a:t>, </a:t>
+            </a:r>
+            <a:r>
+              <a:rPr lang="ko-KR" altLang="en-US" dirty="0" smtClean="0"/>
+              <a:t>기능</a:t>
+            </a:r>
+            <a:r>
+              <a:rPr lang="en-US" altLang="ko-KR" dirty="0" smtClean="0"/>
+              <a:t>)</a:t>
+            </a:r>
+            <a:r>
+              <a:rPr lang="ko-KR" altLang="en-US" dirty="0" smtClean="0"/>
+              <a:t>에 맞춤형 문구 </a:t>
+            </a:r>
+            <a:endParaRPr lang="ko-KR" altLang="en-US" dirty="0"/>
+          </a:p>
+        </p:txBody>
+      </p:sp>
+      <p:sp>
+        <p:nvSpPr>
+          <p:cNvPr id="8" name="직사각형 7"/>
+          <p:cNvSpPr/>
+          <p:nvPr/>
+        </p:nvSpPr>
+        <p:spPr>
+          <a:xfrm>
+            <a:off x="838200" y="1794748"/>
+            <a:ext cx="8307082" cy="369332"/>
+          </a:xfrm>
+          <a:prstGeom prst="rect">
+            <a:avLst/>
+          </a:prstGeom>
+        </p:spPr>
+        <p:txBody>
+          <a:bodyPr wrap="none">
+            <a:spAutoFit/>
+          </a:bodyPr>
+          <a:lstStyle/>
+          <a:p>
+            <a:r>
+              <a:rPr lang="ko-KR" altLang="en-US" dirty="0" smtClean="0"/>
+              <a:t>제목과 </a:t>
+            </a:r>
+            <a:r>
+              <a:rPr lang="ko-KR" altLang="en-US" dirty="0" err="1" smtClean="0"/>
+              <a:t>태그라인</a:t>
+            </a:r>
+            <a:r>
+              <a:rPr lang="ko-KR" altLang="en-US" dirty="0" smtClean="0"/>
+              <a:t> 좌표를 바탕으로 새로운 영화의 제목과 </a:t>
+            </a:r>
+            <a:r>
+              <a:rPr lang="ko-KR" altLang="en-US" dirty="0" err="1" smtClean="0"/>
+              <a:t>태그라인의</a:t>
+            </a:r>
+            <a:r>
+              <a:rPr lang="ko-KR" altLang="en-US" dirty="0" smtClean="0"/>
+              <a:t> 위치 추천</a:t>
             </a:r>
             <a:endParaRPr lang="ko-KR" altLang="en-US" dirty="0"/>
           </a:p>
@@ -4818,8 +5881,8 @@
         </p:blipFill>
         <p:spPr>
           <a:xfrm>
-            <a:off x="466344" y="2129120"/>
-            <a:ext cx="11476653" cy="4079655"/>
+            <a:off x="658504" y="1538070"/>
+            <a:ext cx="10874992" cy="4554376"/>
           </a:xfrm>
           <a:prstGeom prst="rect">
             <a:avLst/>
@@ -4829,7 +5892,7 @@
     </p:spTree>
     <p:extLst>
       <p:ext uri="{BB962C8B-B14F-4D97-AF65-F5344CB8AC3E}">
-        <p14:creationId xmlns:p14="http://schemas.microsoft.com/office/powerpoint/2010/main" val="3970715942"/>
+        <p14:creationId xmlns:p14="http://schemas.microsoft.com/office/powerpoint/2010/main" val="935919685"/>
       </p:ext>
     </p:extLst>
   </p:cSld>
@@ -4873,14 +5936,45 @@
             <p:ph type="title"/>
           </p:nvPr>
         </p:nvSpPr>
-        <p:spPr/>
-        <p:txBody>
-          <a:bodyPr/>
+        <p:spPr>
+          <a:xfrm>
+            <a:off x="838200" y="0"/>
+            <a:ext cx="10515600" cy="1325563"/>
+          </a:xfrm>
+        </p:spPr>
+        <p:txBody>
+          <a:bodyPr>
+            <a:normAutofit/>
+          </a:bodyPr>
           <a:lstStyle/>
           <a:p>
             <a:r>
               <a:rPr lang="ko-KR" altLang="en-US" dirty="0" smtClean="0"/>
-              <a:t>역할</a:t>
+              <a:t>확장 </a:t>
+            </a:r>
+            <a:r>
+              <a:rPr lang="ko-KR" altLang="en-US" dirty="0" smtClean="0"/>
+              <a:t>기능</a:t>
+            </a:r>
+            <a:r>
+              <a:rPr lang="en-US" altLang="ko-KR" dirty="0" smtClean="0"/>
+              <a:t>: </a:t>
+            </a:r>
+            <a:r>
+              <a:rPr lang="en-US" altLang="ko-KR" sz="2200" dirty="0" smtClean="0"/>
+              <a:t>Text </a:t>
+            </a:r>
+            <a:r>
+              <a:rPr lang="en-US" altLang="ko-KR" sz="2200" dirty="0"/>
+              <a:t>to image </a:t>
+            </a:r>
+            <a:r>
+              <a:rPr lang="ko-KR" altLang="en-US" sz="2200" dirty="0"/>
+              <a:t>활용 기초 포스터 </a:t>
+            </a:r>
+            <a:r>
+              <a:rPr lang="ko-KR" altLang="en-US" sz="2200" dirty="0" smtClean="0"/>
+              <a:t>제작</a:t>
             </a:r>
             <a:endParaRPr lang="ko-KR" altLang="en-US" dirty="0"/>
           </a:p>
@@ -4888,119 +5982,29 @@
       </p:sp>
       <p:sp>
         <p:nvSpPr>
-          <p:cNvPr id="3" name="내용 개체 틀 2"/>
-          <p:cNvSpPr>
-            <a:spLocks noGrp="1"/>
-          </p:cNvSpPr>
-          <p:nvPr>
-            <p:ph idx="1"/>
-          </p:nvPr>
-        </p:nvSpPr>
-        <p:spPr/>
-        <p:txBody>
-          <a:bodyPr/>
-          <a:lstStyle/>
-          <a:p>
-            <a:r>
-              <a:rPr lang="ko-KR" altLang="en-US" dirty="0" smtClean="0"/>
-              <a:t>강동훈 </a:t>
-            </a:r>
-            <a:r>
-              <a:rPr lang="en-US" altLang="ko-KR" dirty="0" smtClean="0"/>
-              <a:t>– </a:t>
-            </a:r>
-            <a:r>
-              <a:rPr lang="ko-KR" altLang="en-US" dirty="0" smtClean="0"/>
-              <a:t>기획 </a:t>
-            </a:r>
-            <a:r>
-              <a:rPr lang="en-US" altLang="ko-KR" dirty="0" smtClean="0"/>
-              <a:t>+ </a:t>
-            </a:r>
-            <a:r>
-              <a:rPr lang="ko-KR" altLang="en-US" dirty="0" err="1" smtClean="0"/>
-              <a:t>크롤링</a:t>
-            </a:r>
-            <a:r>
-              <a:rPr lang="ko-KR" altLang="en-US" dirty="0" smtClean="0"/>
-              <a:t> </a:t>
-            </a:r>
-            <a:r>
-              <a:rPr lang="en-US" altLang="ko-KR" dirty="0" smtClean="0"/>
-              <a:t>+ </a:t>
-            </a:r>
-            <a:r>
-              <a:rPr lang="ko-KR" altLang="en-US" dirty="0" smtClean="0"/>
-              <a:t>알고리즘 개발</a:t>
-            </a:r>
-            <a:endParaRPr lang="en-US" altLang="ko-KR" dirty="0" smtClean="0"/>
-          </a:p>
-          <a:p>
-            <a:r>
-              <a:rPr lang="ko-KR" altLang="en-US" dirty="0" err="1" smtClean="0"/>
-              <a:t>심재용</a:t>
-            </a:r>
-            <a:r>
-              <a:rPr lang="ko-KR" altLang="en-US" dirty="0" smtClean="0"/>
-              <a:t> </a:t>
-            </a:r>
-            <a:r>
-              <a:rPr lang="en-US" altLang="ko-KR" dirty="0" smtClean="0"/>
-              <a:t>– </a:t>
-            </a:r>
-            <a:r>
-              <a:rPr lang="ko-KR" altLang="en-US" dirty="0" smtClean="0"/>
-              <a:t>이미지 분석 </a:t>
-            </a:r>
-            <a:r>
-              <a:rPr lang="en-US" altLang="ko-KR" dirty="0" smtClean="0"/>
-              <a:t>+ DB </a:t>
-            </a:r>
-            <a:r>
-              <a:rPr lang="ko-KR" altLang="en-US" dirty="0" smtClean="0"/>
-              <a:t>관리</a:t>
-            </a:r>
-            <a:r>
-              <a:rPr lang="en-US" altLang="ko-KR" dirty="0" smtClean="0"/>
-              <a:t>+ </a:t>
-            </a:r>
-            <a:r>
-              <a:rPr lang="ko-KR" altLang="en-US" dirty="0" smtClean="0"/>
-              <a:t>알고리즘 개발</a:t>
-            </a:r>
-            <a:endParaRPr lang="en-US" altLang="ko-KR" dirty="0" smtClean="0"/>
-          </a:p>
-          <a:p>
-            <a:r>
-              <a:rPr lang="ko-KR" altLang="en-US" dirty="0" err="1" smtClean="0"/>
-              <a:t>임진하</a:t>
-            </a:r>
-            <a:r>
-              <a:rPr lang="ko-KR" altLang="en-US" dirty="0" smtClean="0"/>
-              <a:t> </a:t>
-            </a:r>
-            <a:r>
-              <a:rPr lang="en-US" altLang="ko-KR" dirty="0" smtClean="0"/>
-              <a:t>– </a:t>
-            </a:r>
-            <a:r>
-              <a:rPr lang="ko-KR" altLang="en-US" dirty="0" smtClean="0"/>
-              <a:t>필요 논문 스터디 리더   </a:t>
-            </a:r>
-            <a:r>
-              <a:rPr lang="en-US" altLang="ko-KR" dirty="0" smtClean="0"/>
-              <a:t>+ </a:t>
-            </a:r>
-            <a:r>
-              <a:rPr lang="ko-KR" altLang="en-US" dirty="0" smtClean="0"/>
-              <a:t>알고리즘 개발</a:t>
-            </a:r>
-            <a:endParaRPr lang="en-US" altLang="ko-KR" dirty="0" smtClean="0"/>
-          </a:p>
-          <a:p>
-            <a:endParaRPr lang="en-US" altLang="ko-KR" dirty="0"/>
-          </a:p>
-          <a:p>
+          <p:cNvPr id="8" name="직사각형 7"/>
+          <p:cNvSpPr/>
+          <p:nvPr/>
+        </p:nvSpPr>
+        <p:spPr>
+          <a:xfrm>
+            <a:off x="3371632" y="3519376"/>
+            <a:ext cx="5448736" cy="369332"/>
+          </a:xfrm>
+          <a:prstGeom prst="rect">
+            <a:avLst/>
+          </a:prstGeom>
+        </p:spPr>
+        <p:txBody>
+          <a:bodyPr wrap="none">
+            <a:spAutoFit/>
+          </a:bodyPr>
+          <a:lstStyle/>
+          <a:p>
+            <a:r>
+              <a:rPr lang="ko-KR" altLang="en-US" dirty="0"/>
+              <a:t>https://twitter.com/i/status/1029716799934357505</a:t>
+            </a:r>
             <a:endParaRPr lang="ko-KR" altLang="en-US" dirty="0"/>
           </a:p>
         </p:txBody>
@@ -5008,7 +6012,7 @@
     </p:spTree>
     <p:extLst>
       <p:ext uri="{BB962C8B-B14F-4D97-AF65-F5344CB8AC3E}">
-        <p14:creationId xmlns:p14="http://schemas.microsoft.com/office/powerpoint/2010/main" val="3236142469"/>
+        <p14:creationId xmlns:p14="http://schemas.microsoft.com/office/powerpoint/2010/main" val="3873754020"/>
       </p:ext>
     </p:extLst>
   </p:cSld>
